--- a/exampleSlides/TLO and LLO_v2.pptx
+++ b/exampleSlides/TLO and LLO_v2.pptx
@@ -2971,6 +2971,37 @@
       </p:grpSpPr>
       <p:cxnSp>
         <p:nvCxnSpPr>
+          <p:cNvPr id="122" name="Straight Connector 121"/>
+          <p:cNvCxnSpPr/>
+          <p:nvPr/>
+        </p:nvCxnSpPr>
+        <p:spPr>
+          <a:xfrm>
+            <a:off x="5856624" y="1672674"/>
+            <a:ext cx="412050" cy="4333"/>
+          </a:xfrm>
+          <a:prstGeom prst="line">
+            <a:avLst/>
+          </a:prstGeom>
+          <a:ln w="28575"/>
+        </p:spPr>
+        <p:style>
+          <a:lnRef idx="3">
+            <a:schemeClr val="accent2"/>
+          </a:lnRef>
+          <a:fillRef idx="0">
+            <a:schemeClr val="accent2"/>
+          </a:fillRef>
+          <a:effectRef idx="2">
+            <a:schemeClr val="accent2"/>
+          </a:effectRef>
+          <a:fontRef idx="minor">
+            <a:schemeClr val="tx1"/>
+          </a:fontRef>
+        </p:style>
+      </p:cxnSp>
+      <p:cxnSp>
+        <p:nvCxnSpPr>
           <p:cNvPr id="51" name="Straight Connector 50"/>
           <p:cNvCxnSpPr/>
           <p:nvPr/>
@@ -2993,40 +3024,16 @@
           <a:effectLst/>
         </p:spPr>
       </p:cxnSp>
-      <p:cxnSp>
-        <p:nvCxnSpPr>
-          <p:cNvPr id="62" name="Straight Connector 61"/>
-          <p:cNvCxnSpPr/>
-          <p:nvPr/>
-        </p:nvCxnSpPr>
-        <p:spPr>
-          <a:xfrm>
-            <a:off x="4079538" y="5174618"/>
-            <a:ext cx="703817" cy="0"/>
-          </a:xfrm>
-          <a:prstGeom prst="line">
-            <a:avLst/>
-          </a:prstGeom>
-          <a:noFill/>
-          <a:ln w="28575" cap="flat" cmpd="sng" algn="ctr">
-            <a:solidFill>
-              <a:srgbClr val="0070C0"/>
-            </a:solidFill>
-            <a:prstDash val="solid"/>
-          </a:ln>
-          <a:effectLst/>
-        </p:spPr>
-      </p:cxnSp>
-      <p:sp>
-        <p:nvSpPr>
-          <p:cNvPr id="98" name="Hexagon 97"/>
+      <p:sp>
+        <p:nvSpPr>
+          <p:cNvPr id="82" name="Hexagon 81"/>
           <p:cNvSpPr/>
           <p:nvPr/>
         </p:nvSpPr>
         <p:spPr>
           <a:xfrm>
-            <a:off x="3168590" y="4949492"/>
-            <a:ext cx="770337" cy="429074"/>
+            <a:off x="2490585" y="4989447"/>
+            <a:ext cx="636250" cy="363635"/>
           </a:xfrm>
           <a:prstGeom prst="hexagon">
             <a:avLst/>
@@ -3067,14 +3074,14 @@
       </p:sp>
       <p:sp>
         <p:nvSpPr>
-          <p:cNvPr id="97" name="CustomShape 17"/>
+          <p:cNvPr id="85" name="CustomShape 17"/>
           <p:cNvSpPr/>
           <p:nvPr/>
         </p:nvSpPr>
         <p:spPr>
           <a:xfrm>
-            <a:off x="1311116" y="4849432"/>
-            <a:ext cx="1056442" cy="598252"/>
+            <a:off x="1208200" y="4921122"/>
+            <a:ext cx="795000" cy="438053"/>
           </a:xfrm>
           <a:prstGeom prst="parallelogram">
             <a:avLst>
@@ -3091,14 +3098,45 @@
       </p:sp>
       <p:cxnSp>
         <p:nvCxnSpPr>
-          <p:cNvPr id="32" name="Straight Connector 31"/>
+          <p:cNvPr id="10" name="Straight Connector 9"/>
           <p:cNvCxnSpPr/>
           <p:nvPr/>
         </p:nvCxnSpPr>
         <p:spPr>
+          <a:xfrm flipV="1">
+            <a:off x="5356198" y="1531039"/>
+            <a:ext cx="430800" cy="498"/>
+          </a:xfrm>
+          <a:prstGeom prst="line">
+            <a:avLst/>
+          </a:prstGeom>
+          <a:ln w="28575"/>
+        </p:spPr>
+        <p:style>
+          <a:lnRef idx="3">
+            <a:schemeClr val="accent2"/>
+          </a:lnRef>
+          <a:fillRef idx="0">
+            <a:schemeClr val="accent2"/>
+          </a:fillRef>
+          <a:effectRef idx="2">
+            <a:schemeClr val="accent2"/>
+          </a:effectRef>
+          <a:fontRef idx="minor">
+            <a:schemeClr val="tx1"/>
+          </a:fontRef>
+        </p:style>
+      </p:cxnSp>
+      <p:cxnSp>
+        <p:nvCxnSpPr>
+          <p:cNvPr id="21" name="Straight Connector 20"/>
+          <p:cNvCxnSpPr/>
+          <p:nvPr/>
+        </p:nvCxnSpPr>
+        <p:spPr>
           <a:xfrm>
-            <a:off x="7199756" y="2079503"/>
-            <a:ext cx="887622" cy="7970"/>
+            <a:off x="3503544" y="1996686"/>
+            <a:ext cx="1203751" cy="0"/>
           </a:xfrm>
           <a:prstGeom prst="line">
             <a:avLst/>
@@ -3113,6 +3151,54 @@
           <a:effectLst/>
         </p:spPr>
       </p:cxnSp>
+      <p:cxnSp>
+        <p:nvCxnSpPr>
+          <p:cNvPr id="62" name="Straight Connector 61"/>
+          <p:cNvCxnSpPr/>
+          <p:nvPr/>
+        </p:nvCxnSpPr>
+        <p:spPr>
+          <a:xfrm>
+            <a:off x="4079538" y="5174618"/>
+            <a:ext cx="703817" cy="0"/>
+          </a:xfrm>
+          <a:prstGeom prst="line">
+            <a:avLst/>
+          </a:prstGeom>
+          <a:noFill/>
+          <a:ln w="28575" cap="flat" cmpd="sng" algn="ctr">
+            <a:solidFill>
+              <a:srgbClr val="0070C0"/>
+            </a:solidFill>
+            <a:prstDash val="solid"/>
+          </a:ln>
+          <a:effectLst/>
+        </p:spPr>
+      </p:cxnSp>
+      <p:cxnSp>
+        <p:nvCxnSpPr>
+          <p:cNvPr id="32" name="Straight Connector 31"/>
+          <p:cNvCxnSpPr/>
+          <p:nvPr/>
+        </p:nvCxnSpPr>
+        <p:spPr>
+          <a:xfrm>
+            <a:off x="6871176" y="2004185"/>
+            <a:ext cx="887622" cy="7970"/>
+          </a:xfrm>
+          <a:prstGeom prst="line">
+            <a:avLst/>
+          </a:prstGeom>
+          <a:noFill/>
+          <a:ln w="28575" cap="flat" cmpd="sng" algn="ctr">
+            <a:solidFill>
+              <a:srgbClr val="0070C0"/>
+            </a:solidFill>
+            <a:prstDash val="solid"/>
+          </a:ln>
+          <a:effectLst/>
+        </p:spPr>
+      </p:cxnSp>
       <p:sp>
         <p:nvSpPr>
           <p:cNvPr id="90" name="Trapezoid 89"/>
@@ -3121,7 +3207,7 @@
         </p:nvSpPr>
         <p:spPr>
           <a:xfrm rot="16200000">
-            <a:off x="6227199" y="1308716"/>
+            <a:off x="5919700" y="1259531"/>
             <a:ext cx="1316252" cy="641321"/>
           </a:xfrm>
           <a:prstGeom prst="trapezoid">
@@ -3174,7 +3260,7 @@
         </p:nvSpPr>
         <p:spPr>
           <a:xfrm>
-            <a:off x="2702430" y="1590082"/>
+            <a:off x="2471370" y="1518438"/>
             <a:ext cx="641884" cy="472037"/>
           </a:xfrm>
           <a:prstGeom prst="curvedConnector3">
@@ -3199,8 +3285,8 @@
         </p:nvSpPr>
         <p:spPr>
           <a:xfrm>
-            <a:off x="3309201" y="1862961"/>
-            <a:ext cx="770337" cy="429074"/>
+            <a:off x="3108697" y="1809560"/>
+            <a:ext cx="636250" cy="363635"/>
           </a:xfrm>
           <a:prstGeom prst="hexagon">
             <a:avLst/>
@@ -3247,7 +3333,7 @@
         </p:nvSpPr>
         <p:spPr>
           <a:xfrm rot="5400000">
-            <a:off x="4018295" y="1286610"/>
+            <a:off x="4375403" y="1292919"/>
             <a:ext cx="1316252" cy="641321"/>
           </a:xfrm>
           <a:prstGeom prst="trapezoid">
@@ -3301,7 +3387,7 @@
         <p:spPr>
           <a:xfrm>
             <a:off x="1163553" y="828226"/>
-            <a:ext cx="1056442" cy="598252"/>
+            <a:ext cx="795000" cy="438053"/>
           </a:xfrm>
           <a:prstGeom prst="parallelogram">
             <a:avLst>
@@ -3318,23 +3404,25 @@
       </p:sp>
       <p:sp>
         <p:nvSpPr>
-          <p:cNvPr id="9" name="Oval 8"/>
+          <p:cNvPr id="12" name="Flowchart: Delay 11"/>
           <p:cNvSpPr/>
           <p:nvPr/>
         </p:nvSpPr>
         <p:spPr>
           <a:xfrm>
-            <a:off x="5592141" y="1266279"/>
-            <a:ext cx="372781" cy="333155"/>
-          </a:xfrm>
-          <a:prstGeom prst="ellipse">
+            <a:off x="7758798" y="982717"/>
+            <a:ext cx="853693" cy="1131652"/>
+          </a:xfrm>
+          <a:prstGeom prst="flowChartDelay">
             <a:avLst/>
           </a:prstGeom>
-          <a:noFill/>
-          <a:ln w="28575">
-            <a:solidFill>
-              <a:srgbClr val="FF6600"/>
-            </a:solidFill>
+          <a:solidFill>
+            <a:schemeClr val="bg1">
+              <a:lumMod val="50000"/>
+            </a:schemeClr>
+          </a:solidFill>
+          <a:ln>
+            <a:noFill/>
           </a:ln>
         </p:spPr>
         <p:style>
@@ -3364,14 +3452,14 @@
       </p:sp>
       <p:cxnSp>
         <p:nvCxnSpPr>
-          <p:cNvPr id="10" name="Straight Connector 9"/>
+          <p:cNvPr id="19" name="Straight Connector 18"/>
           <p:cNvCxnSpPr/>
           <p:nvPr/>
         </p:nvCxnSpPr>
         <p:spPr>
-          <a:xfrm>
-            <a:off x="4984050" y="1599434"/>
-            <a:ext cx="1576617" cy="0"/>
+          <a:xfrm flipV="1">
+            <a:off x="3141262" y="1038288"/>
+            <a:ext cx="1566033" cy="2765"/>
           </a:xfrm>
           <a:prstGeom prst="line">
             <a:avLst/>
@@ -3379,24 +3467,23 @@
           <a:noFill/>
           <a:ln w="28575" cap="flat" cmpd="sng" algn="ctr">
             <a:solidFill>
-              <a:srgbClr val="FF6600"/>
+              <a:srgbClr val="0070C0"/>
             </a:solidFill>
             <a:prstDash val="solid"/>
-            <a:miter lim="800000"/>
           </a:ln>
           <a:effectLst/>
         </p:spPr>
       </p:cxnSp>
       <p:cxnSp>
         <p:nvCxnSpPr>
-          <p:cNvPr id="11" name="Straight Connector 10"/>
+          <p:cNvPr id="31" name="Straight Connector 30"/>
           <p:cNvCxnSpPr/>
           <p:nvPr/>
         </p:nvCxnSpPr>
         <p:spPr>
           <a:xfrm flipV="1">
-            <a:off x="5312828" y="1591447"/>
-            <a:ext cx="274320" cy="2577"/>
+            <a:off x="6896238" y="1049722"/>
+            <a:ext cx="862560" cy="4271"/>
           </a:xfrm>
           <a:prstGeom prst="line">
             <a:avLst/>
@@ -3404,25 +3491,473 @@
           <a:noFill/>
           <a:ln w="28575" cap="flat" cmpd="sng" algn="ctr">
             <a:solidFill>
-              <a:srgbClr val="FF6600"/>
+              <a:srgbClr val="0070C0"/>
+            </a:solidFill>
+            <a:prstDash val="solid"/>
+          </a:ln>
+          <a:effectLst/>
+        </p:spPr>
+      </p:cxnSp>
+      <p:sp>
+        <p:nvSpPr>
+          <p:cNvPr id="43" name="CustomShape 18"/>
+          <p:cNvSpPr/>
+          <p:nvPr/>
+        </p:nvSpPr>
+        <p:spPr>
+          <a:xfrm>
+            <a:off x="2910413" y="1841958"/>
+            <a:ext cx="1074047" cy="622359"/>
+          </a:xfrm>
+          <a:prstGeom prst="rect">
+            <a:avLst/>
+          </a:prstGeom>
+          <a:noFill/>
+          <a:ln>
+            <a:noFill/>
+          </a:ln>
+        </p:spPr>
+        <p:txBody>
+          <a:bodyPr wrap="none" lIns="90000" tIns="45000" rIns="90000" bIns="45000"/>
+          <a:lstStyle/>
+          <a:p>
+            <a:pPr marL="0" marR="0" lvl="0" indent="0" algn="ctr" defTabSz="914400" eaLnBrk="1" fontAlgn="auto" latinLnBrk="0" hangingPunct="1">
+              <a:lnSpc>
+                <a:spcPct val="100000"/>
+              </a:lnSpc>
+              <a:spcBef>
+                <a:spcPts val="0"/>
+              </a:spcBef>
+              <a:spcAft>
+                <a:spcPts val="0"/>
+              </a:spcAft>
+              <a:buClrTx/>
+              <a:buSzTx/>
+              <a:buFontTx/>
+              <a:buNone/>
+              <a:tabLst/>
+              <a:defRPr/>
+            </a:pPr>
+            <a:r>
+              <a:rPr lang="en-US" sz="1000" kern="0" dirty="0">
+                <a:solidFill>
+                  <a:srgbClr val="000000"/>
+                </a:solidFill>
+                <a:latin typeface="Arial"/>
+              </a:rPr>
+              <a:t>M</a:t>
+            </a:r>
+            <a:r>
+              <a:rPr lang="en-US" sz="1000" kern="0" dirty="0" smtClean="0">
+                <a:solidFill>
+                  <a:srgbClr val="000000"/>
+                </a:solidFill>
+                <a:latin typeface="Arial"/>
+              </a:rPr>
+              <a:t>odulator</a:t>
+            </a:r>
+            <a:r>
+              <a:rPr lang="en-US" sz="1200" kern="0" dirty="0" smtClean="0">
+                <a:solidFill>
+                  <a:srgbClr val="000000"/>
+                </a:solidFill>
+                <a:latin typeface="Arial"/>
+              </a:rPr>
+              <a:t> </a:t>
+            </a:r>
+            <a:endParaRPr kumimoji="0" sz="1200" b="0" i="0" u="none" strike="noStrike" kern="0" cap="none" spc="0" normalizeH="0" baseline="0" noProof="0" dirty="0" smtClean="0">
+              <a:ln>
+                <a:noFill/>
+              </a:ln>
+              <a:solidFill>
+                <a:prstClr val="black"/>
+              </a:solidFill>
+              <a:effectLst/>
+              <a:uLnTx/>
+              <a:uFillTx/>
+            </a:endParaRPr>
+          </a:p>
+        </p:txBody>
+      </p:sp>
+      <p:sp>
+        <p:nvSpPr>
+          <p:cNvPr id="44" name="CustomShape 18"/>
+          <p:cNvSpPr/>
+          <p:nvPr/>
+        </p:nvSpPr>
+        <p:spPr>
+          <a:xfrm>
+            <a:off x="3437351" y="802780"/>
+            <a:ext cx="891944" cy="285108"/>
+          </a:xfrm>
+          <a:prstGeom prst="rect">
+            <a:avLst/>
+          </a:prstGeom>
+          <a:noFill/>
+          <a:ln>
+            <a:noFill/>
+          </a:ln>
+        </p:spPr>
+        <p:txBody>
+          <a:bodyPr wrap="none" lIns="90000" tIns="45000" rIns="90000" bIns="45000"/>
+          <a:lstStyle/>
+          <a:p>
+            <a:pPr marL="0" marR="0" lvl="0" indent="0" algn="ctr" defTabSz="914400" eaLnBrk="1" fontAlgn="auto" latinLnBrk="0" hangingPunct="1">
+              <a:lnSpc>
+                <a:spcPct val="100000"/>
+              </a:lnSpc>
+              <a:spcBef>
+                <a:spcPts val="0"/>
+              </a:spcBef>
+              <a:spcAft>
+                <a:spcPts val="0"/>
+              </a:spcAft>
+              <a:buClrTx/>
+              <a:buSzTx/>
+              <a:buFontTx/>
+              <a:buNone/>
+              <a:tabLst/>
+              <a:defRPr/>
+            </a:pPr>
+            <a:r>
+              <a:rPr lang="en-US" sz="1100" kern="0" dirty="0" smtClean="0">
+                <a:solidFill>
+                  <a:srgbClr val="000000"/>
+                </a:solidFill>
+                <a:latin typeface="Arial"/>
+              </a:rPr>
+              <a:t>LO signal</a:t>
+            </a:r>
+            <a:endParaRPr kumimoji="0" sz="1100" b="0" i="0" u="none" strike="noStrike" kern="0" cap="none" spc="0" normalizeH="0" baseline="0" noProof="0" dirty="0" smtClean="0">
+              <a:ln>
+                <a:noFill/>
+              </a:ln>
+              <a:solidFill>
+                <a:prstClr val="black"/>
+              </a:solidFill>
+              <a:effectLst/>
+              <a:uLnTx/>
+              <a:uFillTx/>
+            </a:endParaRPr>
+          </a:p>
+        </p:txBody>
+      </p:sp>
+      <p:sp>
+        <p:nvSpPr>
+          <p:cNvPr id="45" name="CustomShape 18"/>
+          <p:cNvSpPr/>
+          <p:nvPr/>
+        </p:nvSpPr>
+        <p:spPr>
+          <a:xfrm>
+            <a:off x="3450587" y="1516502"/>
+            <a:ext cx="891944" cy="285108"/>
+          </a:xfrm>
+          <a:prstGeom prst="rect">
+            <a:avLst/>
+          </a:prstGeom>
+          <a:noFill/>
+          <a:ln>
+            <a:noFill/>
+          </a:ln>
+        </p:spPr>
+        <p:txBody>
+          <a:bodyPr wrap="none" lIns="90000" tIns="45000" rIns="90000" bIns="45000"/>
+          <a:lstStyle/>
+          <a:p>
+            <a:pPr marL="0" marR="0" lvl="0" indent="0" algn="ctr" defTabSz="914400" eaLnBrk="1" fontAlgn="auto" latinLnBrk="0" hangingPunct="1">
+              <a:lnSpc>
+                <a:spcPct val="100000"/>
+              </a:lnSpc>
+              <a:spcBef>
+                <a:spcPts val="0"/>
+              </a:spcBef>
+              <a:spcAft>
+                <a:spcPts val="0"/>
+              </a:spcAft>
+              <a:buClrTx/>
+              <a:buSzTx/>
+              <a:buFontTx/>
+              <a:buNone/>
+              <a:tabLst/>
+              <a:defRPr/>
+            </a:pPr>
+            <a:r>
+              <a:rPr lang="en-US" sz="1100" kern="0" dirty="0" smtClean="0">
+                <a:solidFill>
+                  <a:srgbClr val="000000"/>
+                </a:solidFill>
+                <a:latin typeface="Arial"/>
+              </a:rPr>
+              <a:t>Quantum signal</a:t>
+            </a:r>
+            <a:endParaRPr kumimoji="0" sz="1100" b="0" i="0" u="none" strike="noStrike" kern="0" cap="none" spc="0" normalizeH="0" baseline="0" noProof="0" dirty="0" smtClean="0">
+              <a:ln>
+                <a:noFill/>
+              </a:ln>
+              <a:solidFill>
+                <a:prstClr val="black"/>
+              </a:solidFill>
+              <a:effectLst/>
+              <a:uLnTx/>
+              <a:uFillTx/>
+            </a:endParaRPr>
+          </a:p>
+        </p:txBody>
+      </p:sp>
+      <p:sp>
+        <p:nvSpPr>
+          <p:cNvPr id="46" name="CustomShape 18"/>
+          <p:cNvSpPr/>
+          <p:nvPr/>
+        </p:nvSpPr>
+        <p:spPr>
+          <a:xfrm>
+            <a:off x="4670767" y="1473704"/>
+            <a:ext cx="733164" cy="237461"/>
+          </a:xfrm>
+          <a:prstGeom prst="rect">
+            <a:avLst/>
+          </a:prstGeom>
+          <a:noFill/>
+          <a:ln>
+            <a:noFill/>
+          </a:ln>
+        </p:spPr>
+        <p:txBody>
+          <a:bodyPr wrap="none" lIns="90000" tIns="45000" rIns="90000" bIns="45000"/>
+          <a:lstStyle/>
+          <a:p>
+            <a:pPr marL="0" marR="0" lvl="0" indent="0" algn="ctr" defTabSz="914400" eaLnBrk="1" fontAlgn="auto" latinLnBrk="0" hangingPunct="1">
+              <a:lnSpc>
+                <a:spcPct val="100000"/>
+              </a:lnSpc>
+              <a:spcBef>
+                <a:spcPts val="0"/>
+              </a:spcBef>
+              <a:spcAft>
+                <a:spcPts val="0"/>
+              </a:spcAft>
+              <a:buClrTx/>
+              <a:buSzTx/>
+              <a:buFontTx/>
+              <a:buNone/>
+              <a:tabLst/>
+              <a:defRPr/>
+            </a:pPr>
+            <a:r>
+              <a:rPr lang="en-US" sz="1200" kern="0" dirty="0" smtClean="0">
+                <a:solidFill>
+                  <a:srgbClr val="000000"/>
+                </a:solidFill>
+                <a:latin typeface="Arial"/>
+              </a:rPr>
+              <a:t>MUX </a:t>
+            </a:r>
+            <a:endParaRPr kumimoji="0" sz="1200" b="0" i="0" u="none" strike="noStrike" kern="0" cap="none" spc="0" normalizeH="0" baseline="0" noProof="0" dirty="0" smtClean="0">
+              <a:ln>
+                <a:noFill/>
+              </a:ln>
+              <a:solidFill>
+                <a:prstClr val="black"/>
+              </a:solidFill>
+              <a:effectLst/>
+              <a:uLnTx/>
+              <a:uFillTx/>
+            </a:endParaRPr>
+          </a:p>
+        </p:txBody>
+      </p:sp>
+      <p:sp>
+        <p:nvSpPr>
+          <p:cNvPr id="47" name="CustomShape 18"/>
+          <p:cNvSpPr/>
+          <p:nvPr/>
+        </p:nvSpPr>
+        <p:spPr>
+          <a:xfrm>
+            <a:off x="6235840" y="1464333"/>
+            <a:ext cx="733164" cy="237461"/>
+          </a:xfrm>
+          <a:prstGeom prst="rect">
+            <a:avLst/>
+          </a:prstGeom>
+          <a:noFill/>
+          <a:ln>
+            <a:noFill/>
+          </a:ln>
+        </p:spPr>
+        <p:txBody>
+          <a:bodyPr wrap="none" lIns="90000" tIns="45000" rIns="90000" bIns="45000"/>
+          <a:lstStyle/>
+          <a:p>
+            <a:pPr marL="0" marR="0" lvl="0" indent="0" algn="ctr" defTabSz="914400" eaLnBrk="1" fontAlgn="auto" latinLnBrk="0" hangingPunct="1">
+              <a:lnSpc>
+                <a:spcPct val="100000"/>
+              </a:lnSpc>
+              <a:spcBef>
+                <a:spcPts val="0"/>
+              </a:spcBef>
+              <a:spcAft>
+                <a:spcPts val="0"/>
+              </a:spcAft>
+              <a:buClrTx/>
+              <a:buSzTx/>
+              <a:buFontTx/>
+              <a:buNone/>
+              <a:tabLst/>
+              <a:defRPr/>
+            </a:pPr>
+            <a:r>
+              <a:rPr lang="en-US" sz="1200" kern="0" dirty="0" smtClean="0">
+                <a:solidFill>
+                  <a:srgbClr val="000000"/>
+                </a:solidFill>
+                <a:latin typeface="Arial"/>
+              </a:rPr>
+              <a:t>DEMUX </a:t>
+            </a:r>
+            <a:endParaRPr kumimoji="0" sz="1200" b="0" i="0" u="none" strike="noStrike" kern="0" cap="none" spc="0" normalizeH="0" baseline="0" noProof="0" dirty="0" smtClean="0">
+              <a:ln>
+                <a:noFill/>
+              </a:ln>
+              <a:solidFill>
+                <a:prstClr val="black"/>
+              </a:solidFill>
+              <a:effectLst/>
+              <a:uLnTx/>
+              <a:uFillTx/>
+            </a:endParaRPr>
+          </a:p>
+        </p:txBody>
+      </p:sp>
+      <p:sp>
+        <p:nvSpPr>
+          <p:cNvPr id="48" name="CustomShape 18"/>
+          <p:cNvSpPr/>
+          <p:nvPr/>
+        </p:nvSpPr>
+        <p:spPr>
+          <a:xfrm>
+            <a:off x="7813050" y="1330545"/>
+            <a:ext cx="733164" cy="237461"/>
+          </a:xfrm>
+          <a:prstGeom prst="rect">
+            <a:avLst/>
+          </a:prstGeom>
+          <a:noFill/>
+          <a:ln>
+            <a:noFill/>
+          </a:ln>
+        </p:spPr>
+        <p:txBody>
+          <a:bodyPr wrap="none" lIns="90000" tIns="45000" rIns="90000" bIns="45000"/>
+          <a:lstStyle/>
+          <a:p>
+            <a:pPr marL="0" marR="0" lvl="0" indent="0" algn="ctr" defTabSz="914400" eaLnBrk="1" fontAlgn="auto" latinLnBrk="0" hangingPunct="1">
+              <a:lnSpc>
+                <a:spcPct val="100000"/>
+              </a:lnSpc>
+              <a:spcBef>
+                <a:spcPts val="0"/>
+              </a:spcBef>
+              <a:spcAft>
+                <a:spcPts val="0"/>
+              </a:spcAft>
+              <a:buClrTx/>
+              <a:buSzTx/>
+              <a:buFontTx/>
+              <a:buNone/>
+              <a:tabLst/>
+              <a:defRPr/>
+            </a:pPr>
+            <a:r>
+              <a:rPr lang="en-US" sz="1200" kern="0" dirty="0" smtClean="0">
+                <a:solidFill>
+                  <a:srgbClr val="000000"/>
+                </a:solidFill>
+                <a:latin typeface="Arial"/>
+              </a:rPr>
+              <a:t>Coherent</a:t>
+            </a:r>
+          </a:p>
+          <a:p>
+            <a:pPr marL="0" marR="0" lvl="0" indent="0" algn="ctr" defTabSz="914400" eaLnBrk="1" fontAlgn="auto" latinLnBrk="0" hangingPunct="1">
+              <a:lnSpc>
+                <a:spcPct val="100000"/>
+              </a:lnSpc>
+              <a:spcBef>
+                <a:spcPts val="0"/>
+              </a:spcBef>
+              <a:spcAft>
+                <a:spcPts val="0"/>
+              </a:spcAft>
+              <a:buClrTx/>
+              <a:buSzTx/>
+              <a:buFontTx/>
+              <a:buNone/>
+              <a:tabLst/>
+              <a:defRPr/>
+            </a:pPr>
+            <a:r>
+              <a:rPr lang="en-US" sz="1200" kern="0" dirty="0" smtClean="0">
+                <a:solidFill>
+                  <a:srgbClr val="000000"/>
+                </a:solidFill>
+                <a:latin typeface="Arial"/>
+              </a:rPr>
+              <a:t>detection </a:t>
+            </a:r>
+            <a:endParaRPr kumimoji="0" sz="1200" b="0" i="0" u="none" strike="noStrike" kern="0" cap="none" spc="0" normalizeH="0" baseline="0" noProof="0" dirty="0" smtClean="0">
+              <a:ln>
+                <a:noFill/>
+              </a:ln>
+              <a:solidFill>
+                <a:prstClr val="black"/>
+              </a:solidFill>
+              <a:effectLst/>
+              <a:uLnTx/>
+              <a:uFillTx/>
+            </a:endParaRPr>
+          </a:p>
+        </p:txBody>
+      </p:sp>
+      <p:cxnSp>
+        <p:nvCxnSpPr>
+          <p:cNvPr id="55" name="Straight Connector 54"/>
+          <p:cNvCxnSpPr>
+            <a:endCxn id="109" idx="4"/>
+          </p:cNvCxnSpPr>
+          <p:nvPr/>
+        </p:nvCxnSpPr>
+        <p:spPr>
+          <a:xfrm>
+            <a:off x="4788285" y="5176671"/>
+            <a:ext cx="597166" cy="6084"/>
+          </a:xfrm>
+          <a:prstGeom prst="line">
+            <a:avLst/>
+          </a:prstGeom>
+          <a:noFill/>
+          <a:ln w="28575" cap="flat" cmpd="sng" algn="ctr">
+            <a:solidFill>
+              <a:schemeClr val="accent2"/>
             </a:solidFill>
             <a:prstDash val="solid"/>
             <a:miter lim="800000"/>
-            <a:headEnd type="none" w="med" len="med"/>
-            <a:tailEnd type="arrow" w="med" len="med"/>
           </a:ln>
           <a:effectLst/>
         </p:spPr>
       </p:cxnSp>
       <p:sp>
         <p:nvSpPr>
-          <p:cNvPr id="12" name="Flowchart: Delay 11"/>
+          <p:cNvPr id="57" name="Flowchart: Delay 56"/>
           <p:cNvSpPr/>
           <p:nvPr/>
         </p:nvSpPr>
         <p:spPr>
           <a:xfrm>
-            <a:off x="8064366" y="1033608"/>
+            <a:off x="7447700" y="4440373"/>
             <a:ext cx="853693" cy="1131652"/>
           </a:xfrm>
           <a:prstGeom prst="flowChartDelay">
@@ -3464,14 +3999,14 @@
       </p:sp>
       <p:cxnSp>
         <p:nvCxnSpPr>
-          <p:cNvPr id="19" name="Straight Connector 18"/>
+          <p:cNvPr id="69" name="Straight Connector 68"/>
           <p:cNvCxnSpPr/>
           <p:nvPr/>
         </p:nvCxnSpPr>
         <p:spPr>
           <a:xfrm flipV="1">
-            <a:off x="3358683" y="1109066"/>
-            <a:ext cx="1000462" cy="2763"/>
+            <a:off x="6299501" y="4625198"/>
+            <a:ext cx="1147857" cy="6139"/>
           </a:xfrm>
           <a:prstGeom prst="line">
             <a:avLst/>
@@ -3486,66 +4021,16 @@
           <a:effectLst/>
         </p:spPr>
       </p:cxnSp>
-      <p:cxnSp>
-        <p:nvCxnSpPr>
-          <p:cNvPr id="21" name="Straight Connector 20"/>
-          <p:cNvCxnSpPr>
-            <a:stCxn id="8" idx="0"/>
-          </p:cNvCxnSpPr>
-          <p:nvPr/>
-        </p:nvCxnSpPr>
-        <p:spPr>
-          <a:xfrm flipV="1">
-            <a:off x="4079538" y="2076482"/>
-            <a:ext cx="279607" cy="1016"/>
-          </a:xfrm>
-          <a:prstGeom prst="line">
-            <a:avLst/>
-          </a:prstGeom>
-          <a:noFill/>
-          <a:ln w="28575" cap="flat" cmpd="sng" algn="ctr">
-            <a:solidFill>
-              <a:srgbClr val="0070C0"/>
-            </a:solidFill>
-            <a:prstDash val="solid"/>
-          </a:ln>
-          <a:effectLst/>
-        </p:spPr>
-      </p:cxnSp>
-      <p:cxnSp>
-        <p:nvCxnSpPr>
-          <p:cNvPr id="31" name="Straight Connector 30"/>
-          <p:cNvCxnSpPr/>
-          <p:nvPr/>
-        </p:nvCxnSpPr>
-        <p:spPr>
-          <a:xfrm flipV="1">
-            <a:off x="7199756" y="1138661"/>
-            <a:ext cx="862560" cy="4271"/>
-          </a:xfrm>
-          <a:prstGeom prst="line">
-            <a:avLst/>
-          </a:prstGeom>
-          <a:noFill/>
-          <a:ln w="28575" cap="flat" cmpd="sng" algn="ctr">
-            <a:solidFill>
-              <a:srgbClr val="0070C0"/>
-            </a:solidFill>
-            <a:prstDash val="solid"/>
-          </a:ln>
-          <a:effectLst/>
-        </p:spPr>
-      </p:cxnSp>
-      <p:sp>
-        <p:nvSpPr>
-          <p:cNvPr id="43" name="CustomShape 18"/>
+      <p:sp>
+        <p:nvSpPr>
+          <p:cNvPr id="75" name="CustomShape 18"/>
           <p:cNvSpPr/>
           <p:nvPr/>
         </p:nvSpPr>
         <p:spPr>
           <a:xfrm>
-            <a:off x="3154362" y="1928401"/>
-            <a:ext cx="1074047" cy="622359"/>
+            <a:off x="1102331" y="4971585"/>
+            <a:ext cx="1063463" cy="365368"/>
           </a:xfrm>
           <a:prstGeom prst="rect">
             <a:avLst/>
@@ -3577,33 +4062,15 @@
               <a:defRPr/>
             </a:pPr>
             <a:r>
-              <a:rPr lang="en-US" sz="1000" kern="0" dirty="0">
+              <a:rPr lang="en-US" sz="1600" kern="0" dirty="0" smtClean="0">
                 <a:solidFill>
                   <a:srgbClr val="000000"/>
                 </a:solidFill>
                 <a:latin typeface="Arial"/>
               </a:rPr>
-              <a:t>M</a:t>
-            </a:r>
-            <a:r>
-              <a:rPr lang="en-US" sz="1000" kern="0" dirty="0" smtClean="0">
-                <a:solidFill>
-                  <a:srgbClr val="000000"/>
-                </a:solidFill>
-                <a:latin typeface="Arial"/>
-              </a:rPr>
-              <a:t>odulator</a:t>
-            </a:r>
-            <a:r>
-              <a:rPr lang="en-US" sz="1200" kern="0" dirty="0" smtClean="0">
-                <a:solidFill>
-                  <a:srgbClr val="000000"/>
-                </a:solidFill>
-                <a:latin typeface="Arial"/>
-              </a:rPr>
-              <a:t> </a:t>
-            </a:r>
-            <a:endParaRPr kumimoji="0" sz="1200" b="0" i="0" u="none" strike="noStrike" kern="0" cap="none" spc="0" normalizeH="0" baseline="0" noProof="0" dirty="0" smtClean="0">
+              <a:t>Laser</a:t>
+            </a:r>
+            <a:endParaRPr kumimoji="0" sz="1600" b="0" i="0" u="none" strike="noStrike" kern="0" cap="none" spc="0" normalizeH="0" baseline="0" noProof="0" dirty="0" smtClean="0">
               <a:ln>
                 <a:noFill/>
               </a:ln>
@@ -3619,14 +4086,14 @@
       </p:sp>
       <p:sp>
         <p:nvSpPr>
-          <p:cNvPr id="44" name="CustomShape 18"/>
+          <p:cNvPr id="76" name="CustomShape 18"/>
           <p:cNvSpPr/>
           <p:nvPr/>
         </p:nvSpPr>
         <p:spPr>
           <a:xfrm>
-            <a:off x="3290219" y="853553"/>
-            <a:ext cx="891944" cy="285108"/>
+            <a:off x="2421641" y="5030588"/>
+            <a:ext cx="801050" cy="274711"/>
           </a:xfrm>
           <a:prstGeom prst="rect">
             <a:avLst/>
@@ -3658,24 +4125,33 @@
               <a:defRPr/>
             </a:pPr>
             <a:r>
-              <a:rPr lang="en-US" sz="1100" kern="0" dirty="0" smtClean="0">
+              <a:rPr lang="en-US" sz="1000" kern="0" dirty="0">
                 <a:solidFill>
                   <a:srgbClr val="000000"/>
                 </a:solidFill>
                 <a:latin typeface="Arial"/>
               </a:rPr>
-              <a:t>LO </a:t>
-            </a:r>
-            <a:r>
-              <a:rPr lang="en-US" sz="1100" kern="0" dirty="0" smtClean="0">
+              <a:t>M</a:t>
+            </a:r>
+            <a:r>
+              <a:rPr lang="en-US" sz="1000" kern="0" dirty="0" smtClean="0">
                 <a:solidFill>
                   <a:srgbClr val="000000"/>
                 </a:solidFill>
                 <a:latin typeface="Arial"/>
               </a:rPr>
-              <a:t>signal</a:t>
-            </a:r>
-            <a:endParaRPr kumimoji="0" sz="1100" b="0" i="0" u="none" strike="noStrike" kern="0" cap="none" spc="0" normalizeH="0" baseline="0" noProof="0" dirty="0" smtClean="0">
+              <a:t>odulator</a:t>
+            </a:r>
+            <a:r>
+              <a:rPr lang="en-US" sz="1200" kern="0" dirty="0" smtClean="0">
+                <a:solidFill>
+                  <a:srgbClr val="000000"/>
+                </a:solidFill>
+                <a:latin typeface="Arial"/>
+              </a:rPr>
+              <a:t> </a:t>
+            </a:r>
+            <a:endParaRPr kumimoji="0" sz="1200" b="0" i="0" u="none" strike="noStrike" kern="0" cap="none" spc="0" normalizeH="0" baseline="0" noProof="0" dirty="0" smtClean="0">
               <a:ln>
                 <a:noFill/>
               </a:ln>
@@ -3691,14 +4167,14 @@
       </p:sp>
       <p:sp>
         <p:nvSpPr>
-          <p:cNvPr id="45" name="CustomShape 18"/>
+          <p:cNvPr id="81" name="CustomShape 18"/>
           <p:cNvSpPr/>
           <p:nvPr/>
         </p:nvSpPr>
         <p:spPr>
           <a:xfrm>
-            <a:off x="3274988" y="1592737"/>
-            <a:ext cx="891944" cy="285108"/>
+            <a:off x="7493107" y="4553810"/>
+            <a:ext cx="733164" cy="694367"/>
           </a:xfrm>
           <a:prstGeom prst="rect">
             <a:avLst/>
@@ -3730,50 +4206,15 @@
               <a:defRPr/>
             </a:pPr>
             <a:r>
-              <a:rPr lang="en-US" sz="1050" kern="0" dirty="0" smtClean="0">
+              <a:rPr lang="en-US" sz="1100" kern="0" dirty="0" smtClean="0">
                 <a:solidFill>
                   <a:srgbClr val="000000"/>
                 </a:solidFill>
                 <a:latin typeface="Arial"/>
               </a:rPr>
-              <a:t>Quantum signal</a:t>
-            </a:r>
-            <a:endParaRPr kumimoji="0" sz="1050" b="0" i="0" u="none" strike="noStrike" kern="0" cap="none" spc="0" normalizeH="0" baseline="0" noProof="0" dirty="0" smtClean="0">
-              <a:ln>
-                <a:noFill/>
-              </a:ln>
-              <a:solidFill>
-                <a:prstClr val="black"/>
-              </a:solidFill>
-              <a:effectLst/>
-              <a:uLnTx/>
-              <a:uFillTx/>
-            </a:endParaRPr>
-          </a:p>
-        </p:txBody>
-      </p:sp>
-      <p:sp>
-        <p:nvSpPr>
-          <p:cNvPr id="46" name="CustomShape 18"/>
-          <p:cNvSpPr/>
-          <p:nvPr/>
-        </p:nvSpPr>
-        <p:spPr>
-          <a:xfrm>
-            <a:off x="4346287" y="1474006"/>
-            <a:ext cx="733164" cy="237461"/>
-          </a:xfrm>
-          <a:prstGeom prst="rect">
-            <a:avLst/>
-          </a:prstGeom>
-          <a:noFill/>
-          <a:ln>
-            <a:noFill/>
-          </a:ln>
-        </p:spPr>
-        <p:txBody>
-          <a:bodyPr wrap="none" lIns="90000" tIns="45000" rIns="90000" bIns="45000"/>
-          <a:lstStyle/>
+              <a:t>Coherent</a:t>
+            </a:r>
+          </a:p>
           <a:p>
             <a:pPr marL="0" marR="0" lvl="0" indent="0" algn="ctr" defTabSz="914400" eaLnBrk="1" fontAlgn="auto" latinLnBrk="0" hangingPunct="1">
               <a:lnSpc>
@@ -3793,50 +4234,15 @@
               <a:defRPr/>
             </a:pPr>
             <a:r>
-              <a:rPr lang="en-US" sz="1200" kern="0" dirty="0" smtClean="0">
+              <a:rPr lang="en-US" sz="1100" kern="0" dirty="0" smtClean="0">
                 <a:solidFill>
                   <a:srgbClr val="000000"/>
                 </a:solidFill>
                 <a:latin typeface="Arial"/>
               </a:rPr>
-              <a:t>MUX </a:t>
-            </a:r>
-            <a:endParaRPr kumimoji="0" sz="1200" b="0" i="0" u="none" strike="noStrike" kern="0" cap="none" spc="0" normalizeH="0" baseline="0" noProof="0" dirty="0" smtClean="0">
-              <a:ln>
-                <a:noFill/>
-              </a:ln>
-              <a:solidFill>
-                <a:prstClr val="black"/>
-              </a:solidFill>
-              <a:effectLst/>
-              <a:uLnTx/>
-              <a:uFillTx/>
-            </a:endParaRPr>
-          </a:p>
-        </p:txBody>
-      </p:sp>
-      <p:sp>
-        <p:nvSpPr>
-          <p:cNvPr id="47" name="CustomShape 18"/>
-          <p:cNvSpPr/>
-          <p:nvPr/>
-        </p:nvSpPr>
-        <p:spPr>
-          <a:xfrm>
-            <a:off x="6541840" y="1467103"/>
-            <a:ext cx="733164" cy="237461"/>
-          </a:xfrm>
-          <a:prstGeom prst="rect">
-            <a:avLst/>
-          </a:prstGeom>
-          <a:noFill/>
-          <a:ln>
-            <a:noFill/>
-          </a:ln>
-        </p:spPr>
-        <p:txBody>
-          <a:bodyPr wrap="none" lIns="90000" tIns="45000" rIns="90000" bIns="45000"/>
-          <a:lstStyle/>
+              <a:t>Detection</a:t>
+            </a:r>
+          </a:p>
           <a:p>
             <a:pPr marL="0" marR="0" lvl="0" indent="0" algn="ctr" defTabSz="914400" eaLnBrk="1" fontAlgn="auto" latinLnBrk="0" hangingPunct="1">
               <a:lnSpc>
@@ -3856,50 +4262,15 @@
               <a:defRPr/>
             </a:pPr>
             <a:r>
-              <a:rPr lang="en-US" sz="1200" kern="0" dirty="0" smtClean="0">
+              <a:rPr lang="en-US" sz="1100" kern="0" dirty="0" smtClean="0">
                 <a:solidFill>
                   <a:srgbClr val="000000"/>
                 </a:solidFill>
                 <a:latin typeface="Arial"/>
               </a:rPr>
-              <a:t>DEMUX </a:t>
-            </a:r>
-            <a:endParaRPr kumimoji="0" sz="1200" b="0" i="0" u="none" strike="noStrike" kern="0" cap="none" spc="0" normalizeH="0" baseline="0" noProof="0" dirty="0" smtClean="0">
-              <a:ln>
-                <a:noFill/>
-              </a:ln>
-              <a:solidFill>
-                <a:prstClr val="black"/>
-              </a:solidFill>
-              <a:effectLst/>
-              <a:uLnTx/>
-              <a:uFillTx/>
-            </a:endParaRPr>
-          </a:p>
-        </p:txBody>
-      </p:sp>
-      <p:sp>
-        <p:nvSpPr>
-          <p:cNvPr id="48" name="CustomShape 18"/>
-          <p:cNvSpPr/>
-          <p:nvPr/>
-        </p:nvSpPr>
-        <p:spPr>
-          <a:xfrm>
-            <a:off x="8133384" y="1361973"/>
-            <a:ext cx="733164" cy="237461"/>
-          </a:xfrm>
-          <a:prstGeom prst="rect">
-            <a:avLst/>
-          </a:prstGeom>
-          <a:noFill/>
-          <a:ln>
-            <a:noFill/>
-          </a:ln>
-        </p:spPr>
-        <p:txBody>
-          <a:bodyPr wrap="none" lIns="90000" tIns="45000" rIns="90000" bIns="45000"/>
-          <a:lstStyle/>
+              <a:t>+</a:t>
+            </a:r>
+          </a:p>
           <a:p>
             <a:pPr marL="0" marR="0" lvl="0" indent="0" algn="ctr" defTabSz="914400" eaLnBrk="1" fontAlgn="auto" latinLnBrk="0" hangingPunct="1">
               <a:lnSpc>
@@ -3919,13 +4290,13 @@
               <a:defRPr/>
             </a:pPr>
             <a:r>
-              <a:rPr lang="en-US" sz="1200" kern="0" dirty="0" smtClean="0">
+              <a:rPr lang="en-US" sz="1100" kern="0" dirty="0" smtClean="0">
                 <a:solidFill>
                   <a:srgbClr val="000000"/>
                 </a:solidFill>
                 <a:latin typeface="Arial"/>
               </a:rPr>
-              <a:t>Coherent</a:t>
+              <a:t>Phase </a:t>
             </a:r>
           </a:p>
           <a:p>
@@ -3947,15 +4318,15 @@
               <a:defRPr/>
             </a:pPr>
             <a:r>
-              <a:rPr lang="en-US" sz="1200" kern="0" dirty="0" smtClean="0">
+              <a:rPr lang="en-US" sz="1100" kern="0" dirty="0" smtClean="0">
                 <a:solidFill>
                   <a:srgbClr val="000000"/>
                 </a:solidFill>
                 <a:latin typeface="Arial"/>
               </a:rPr>
-              <a:t>detection </a:t>
-            </a:r>
-            <a:endParaRPr kumimoji="0" sz="1200" b="0" i="0" u="none" strike="noStrike" kern="0" cap="none" spc="0" normalizeH="0" baseline="0" noProof="0" dirty="0" smtClean="0">
+              <a:t>correction </a:t>
+            </a:r>
+            <a:endParaRPr kumimoji="0" sz="1100" b="0" i="0" u="none" strike="noStrike" kern="0" cap="none" spc="0" normalizeH="0" baseline="0" noProof="0" dirty="0" smtClean="0">
               <a:ln>
                 <a:noFill/>
               </a:ln>
@@ -3969,25 +4340,52 @@
           </a:p>
         </p:txBody>
       </p:sp>
-      <p:sp>
-        <p:nvSpPr>
-          <p:cNvPr id="54" name="Oval 53"/>
-          <p:cNvSpPr/>
+      <p:cxnSp>
+        <p:nvCxnSpPr>
+          <p:cNvPr id="91" name="Straight Connector 90"/>
+          <p:cNvCxnSpPr/>
           <p:nvPr/>
-        </p:nvSpPr>
-        <p:spPr>
-          <a:xfrm>
-            <a:off x="5506216" y="4837322"/>
-            <a:ext cx="372781" cy="333155"/>
-          </a:xfrm>
-          <a:prstGeom prst="ellipse">
+        </p:nvCxnSpPr>
+        <p:spPr>
+          <a:xfrm flipV="1">
+            <a:off x="5791628" y="5411410"/>
+            <a:ext cx="1655730" cy="1518"/>
+          </a:xfrm>
+          <a:prstGeom prst="line">
             <a:avLst/>
           </a:prstGeom>
           <a:noFill/>
-          <a:ln w="28575">
+          <a:ln w="28575" cap="flat" cmpd="sng" algn="ctr">
             <a:solidFill>
-              <a:srgbClr val="FF6600"/>
+              <a:srgbClr val="0070C0"/>
             </a:solidFill>
+            <a:prstDash val="solid"/>
+          </a:ln>
+          <a:effectLst/>
+        </p:spPr>
+      </p:cxnSp>
+      <p:sp>
+        <p:nvSpPr>
+          <p:cNvPr id="103" name="Rectangle 102"/>
+          <p:cNvSpPr/>
+          <p:nvPr/>
+        </p:nvSpPr>
+        <p:spPr>
+          <a:xfrm>
+            <a:off x="1061784" y="643901"/>
+            <a:ext cx="4361458" cy="1906860"/>
+          </a:xfrm>
+          <a:prstGeom prst="rect">
+            <a:avLst/>
+          </a:prstGeom>
+          <a:noFill/>
+          <a:ln>
+            <a:solidFill>
+              <a:schemeClr val="tx1">
+                <a:alpha val="63000"/>
+              </a:schemeClr>
+            </a:solidFill>
+            <a:prstDash val="sysDash"/>
           </a:ln>
         </p:spPr>
         <p:style>
@@ -4011,83 +4409,32 @@
           <a:lstStyle/>
           <a:p>
             <a:pPr algn="ctr"/>
-            <a:endParaRPr lang="en-US"/>
-          </a:p>
-        </p:txBody>
-      </p:sp>
-      <p:cxnSp>
-        <p:nvCxnSpPr>
-          <p:cNvPr id="55" name="Straight Connector 54"/>
-          <p:cNvCxnSpPr/>
+            <a:endParaRPr lang="da-DK"/>
+          </a:p>
+        </p:txBody>
+      </p:sp>
+      <p:sp>
+        <p:nvSpPr>
+          <p:cNvPr id="104" name="Rectangle 103"/>
+          <p:cNvSpPr/>
           <p:nvPr/>
-        </p:nvCxnSpPr>
-        <p:spPr>
-          <a:xfrm flipV="1">
-            <a:off x="4783192" y="5171724"/>
-            <a:ext cx="1626384" cy="2894"/>
-          </a:xfrm>
-          <a:prstGeom prst="line">
+        </p:nvSpPr>
+        <p:spPr>
+          <a:xfrm>
+            <a:off x="6181895" y="643901"/>
+            <a:ext cx="2736163" cy="1906860"/>
+          </a:xfrm>
+          <a:prstGeom prst="rect">
             <a:avLst/>
           </a:prstGeom>
           <a:noFill/>
-          <a:ln w="28575" cap="flat" cmpd="sng" algn="ctr">
+          <a:ln>
             <a:solidFill>
-              <a:srgbClr val="FF6600"/>
+              <a:schemeClr val="tx1">
+                <a:alpha val="63000"/>
+              </a:schemeClr>
             </a:solidFill>
-            <a:prstDash val="solid"/>
-            <a:miter lim="800000"/>
-          </a:ln>
-          <a:effectLst/>
-        </p:spPr>
-      </p:cxnSp>
-      <p:cxnSp>
-        <p:nvCxnSpPr>
-          <p:cNvPr id="56" name="Straight Connector 55"/>
-          <p:cNvCxnSpPr/>
-          <p:nvPr/>
-        </p:nvCxnSpPr>
-        <p:spPr>
-          <a:xfrm flipV="1">
-            <a:off x="5910985" y="5169684"/>
-            <a:ext cx="274320" cy="2577"/>
-          </a:xfrm>
-          <a:prstGeom prst="line">
-            <a:avLst/>
-          </a:prstGeom>
-          <a:noFill/>
-          <a:ln w="28575" cap="flat" cmpd="sng" algn="ctr">
-            <a:solidFill>
-              <a:srgbClr val="FF6600"/>
-            </a:solidFill>
-            <a:prstDash val="solid"/>
-            <a:miter lim="800000"/>
-            <a:headEnd type="none" w="med" len="med"/>
-            <a:tailEnd type="arrow" w="med" len="med"/>
-          </a:ln>
-          <a:effectLst/>
-        </p:spPr>
-      </p:cxnSp>
-      <p:sp>
-        <p:nvSpPr>
-          <p:cNvPr id="57" name="Flowchart: Delay 56"/>
-          <p:cNvSpPr/>
-          <p:nvPr/>
-        </p:nvSpPr>
-        <p:spPr>
-          <a:xfrm>
-            <a:off x="8064365" y="4221430"/>
-            <a:ext cx="853693" cy="1131652"/>
-          </a:xfrm>
-          <a:prstGeom prst="flowChartDelay">
-            <a:avLst/>
-          </a:prstGeom>
-          <a:solidFill>
-            <a:schemeClr val="bg1">
-              <a:lumMod val="50000"/>
-            </a:schemeClr>
-          </a:solidFill>
-          <a:ln>
-            <a:noFill/>
+            <a:prstDash val="sysDash"/>
           </a:ln>
         </p:spPr>
         <p:style>
@@ -4111,44 +4458,20 @@
           <a:lstStyle/>
           <a:p>
             <a:pPr algn="ctr"/>
-            <a:endParaRPr lang="en-US"/>
-          </a:p>
-        </p:txBody>
-      </p:sp>
-      <p:cxnSp>
-        <p:nvCxnSpPr>
-          <p:cNvPr id="69" name="Straight Connector 68"/>
-          <p:cNvCxnSpPr/>
-          <p:nvPr/>
-        </p:nvCxnSpPr>
-        <p:spPr>
-          <a:xfrm flipV="1">
-            <a:off x="6922993" y="4473575"/>
-            <a:ext cx="1147857" cy="6139"/>
-          </a:xfrm>
-          <a:prstGeom prst="line">
-            <a:avLst/>
-          </a:prstGeom>
-          <a:noFill/>
-          <a:ln w="28575" cap="flat" cmpd="sng" algn="ctr">
-            <a:solidFill>
-              <a:srgbClr val="0070C0"/>
-            </a:solidFill>
-            <a:prstDash val="solid"/>
-          </a:ln>
-          <a:effectLst/>
-        </p:spPr>
-      </p:cxnSp>
-      <p:sp>
-        <p:nvSpPr>
-          <p:cNvPr id="75" name="CustomShape 18"/>
+            <a:endParaRPr lang="da-DK"/>
+          </a:p>
+        </p:txBody>
+      </p:sp>
+      <p:sp>
+        <p:nvSpPr>
+          <p:cNvPr id="107" name="CustomShape 18"/>
           <p:cNvSpPr/>
           <p:nvPr/>
         </p:nvSpPr>
         <p:spPr>
           <a:xfrm>
-            <a:off x="1297024" y="4981345"/>
-            <a:ext cx="1063463" cy="365368"/>
+            <a:off x="8205174" y="636957"/>
+            <a:ext cx="891944" cy="285108"/>
           </a:xfrm>
           <a:prstGeom prst="rect">
             <a:avLst/>
@@ -4186,7 +4509,7 @@
                 </a:solidFill>
                 <a:latin typeface="Arial"/>
               </a:rPr>
-              <a:t>Laser</a:t>
+              <a:t>Bob</a:t>
             </a:r>
             <a:endParaRPr kumimoji="0" sz="1600" b="0" i="0" u="none" strike="noStrike" kern="0" cap="none" spc="0" normalizeH="0" baseline="0" noProof="0" dirty="0" smtClean="0">
               <a:ln>
@@ -4204,14 +4527,14 @@
       </p:sp>
       <p:sp>
         <p:nvSpPr>
-          <p:cNvPr id="76" name="CustomShape 18"/>
+          <p:cNvPr id="108" name="CustomShape 18"/>
           <p:cNvSpPr/>
           <p:nvPr/>
         </p:nvSpPr>
         <p:spPr>
           <a:xfrm>
-            <a:off x="3169912" y="5026673"/>
-            <a:ext cx="801050" cy="274711"/>
+            <a:off x="4633479" y="636957"/>
+            <a:ext cx="891944" cy="285108"/>
           </a:xfrm>
           <a:prstGeom prst="rect">
             <a:avLst/>
@@ -4243,33 +4566,15 @@
               <a:defRPr/>
             </a:pPr>
             <a:r>
-              <a:rPr lang="en-US" sz="1000" kern="0" dirty="0">
+              <a:rPr lang="en-US" kern="0" dirty="0" smtClean="0">
                 <a:solidFill>
                   <a:srgbClr val="000000"/>
                 </a:solidFill>
                 <a:latin typeface="Arial"/>
               </a:rPr>
-              <a:t>M</a:t>
-            </a:r>
-            <a:r>
-              <a:rPr lang="en-US" sz="1000" kern="0" dirty="0" smtClean="0">
-                <a:solidFill>
-                  <a:srgbClr val="000000"/>
-                </a:solidFill>
-                <a:latin typeface="Arial"/>
-              </a:rPr>
-              <a:t>odulator</a:t>
-            </a:r>
-            <a:r>
-              <a:rPr lang="en-US" sz="1200" kern="0" dirty="0" smtClean="0">
-                <a:solidFill>
-                  <a:srgbClr val="000000"/>
-                </a:solidFill>
-                <a:latin typeface="Arial"/>
-              </a:rPr>
-              <a:t> </a:t>
-            </a:r>
-            <a:endParaRPr kumimoji="0" sz="1200" b="0" i="0" u="none" strike="noStrike" kern="0" cap="none" spc="0" normalizeH="0" baseline="0" noProof="0" dirty="0" smtClean="0">
+              <a:t>Alice</a:t>
+            </a:r>
+            <a:endParaRPr kumimoji="0" b="0" i="0" u="none" strike="noStrike" kern="0" cap="none" spc="0" normalizeH="0" baseline="0" noProof="0" dirty="0" smtClean="0">
               <a:ln>
                 <a:noFill/>
               </a:ln>
@@ -4285,300 +4590,14 @@
       </p:sp>
       <p:sp>
         <p:nvSpPr>
-          <p:cNvPr id="81" name="CustomShape 18"/>
+          <p:cNvPr id="110" name="Rectangle 109"/>
           <p:cNvSpPr/>
           <p:nvPr/>
         </p:nvSpPr>
         <p:spPr>
           <a:xfrm>
-            <a:off x="8065306" y="4349233"/>
-            <a:ext cx="733164" cy="694367"/>
-          </a:xfrm>
-          <a:prstGeom prst="rect">
-            <a:avLst/>
-          </a:prstGeom>
-          <a:noFill/>
-          <a:ln>
-            <a:noFill/>
-          </a:ln>
-        </p:spPr>
-        <p:txBody>
-          <a:bodyPr wrap="none" lIns="90000" tIns="45000" rIns="90000" bIns="45000"/>
-          <a:lstStyle/>
-          <a:p>
-            <a:pPr marL="0" marR="0" lvl="0" indent="0" algn="ctr" defTabSz="914400" eaLnBrk="1" fontAlgn="auto" latinLnBrk="0" hangingPunct="1">
-              <a:lnSpc>
-                <a:spcPct val="100000"/>
-              </a:lnSpc>
-              <a:spcBef>
-                <a:spcPts val="0"/>
-              </a:spcBef>
-              <a:spcAft>
-                <a:spcPts val="0"/>
-              </a:spcAft>
-              <a:buClrTx/>
-              <a:buSzTx/>
-              <a:buFontTx/>
-              <a:buNone/>
-              <a:tabLst/>
-              <a:defRPr/>
-            </a:pPr>
-            <a:r>
-              <a:rPr lang="en-US" sz="1100" kern="0" dirty="0" smtClean="0">
-                <a:solidFill>
-                  <a:srgbClr val="000000"/>
-                </a:solidFill>
-                <a:latin typeface="Arial"/>
-              </a:rPr>
-              <a:t>Coherent</a:t>
-            </a:r>
-          </a:p>
-          <a:p>
-            <a:pPr marL="0" marR="0" lvl="0" indent="0" algn="ctr" defTabSz="914400" eaLnBrk="1" fontAlgn="auto" latinLnBrk="0" hangingPunct="1">
-              <a:lnSpc>
-                <a:spcPct val="100000"/>
-              </a:lnSpc>
-              <a:spcBef>
-                <a:spcPts val="0"/>
-              </a:spcBef>
-              <a:spcAft>
-                <a:spcPts val="0"/>
-              </a:spcAft>
-              <a:buClrTx/>
-              <a:buSzTx/>
-              <a:buFontTx/>
-              <a:buNone/>
-              <a:tabLst/>
-              <a:defRPr/>
-            </a:pPr>
-            <a:r>
-              <a:rPr lang="en-US" sz="1100" kern="0" dirty="0" smtClean="0">
-                <a:solidFill>
-                  <a:srgbClr val="000000"/>
-                </a:solidFill>
-                <a:latin typeface="Arial"/>
-              </a:rPr>
-              <a:t>Detection</a:t>
-            </a:r>
-          </a:p>
-          <a:p>
-            <a:pPr marL="0" marR="0" lvl="0" indent="0" algn="ctr" defTabSz="914400" eaLnBrk="1" fontAlgn="auto" latinLnBrk="0" hangingPunct="1">
-              <a:lnSpc>
-                <a:spcPct val="100000"/>
-              </a:lnSpc>
-              <a:spcBef>
-                <a:spcPts val="0"/>
-              </a:spcBef>
-              <a:spcAft>
-                <a:spcPts val="0"/>
-              </a:spcAft>
-              <a:buClrTx/>
-              <a:buSzTx/>
-              <a:buFontTx/>
-              <a:buNone/>
-              <a:tabLst/>
-              <a:defRPr/>
-            </a:pPr>
-            <a:r>
-              <a:rPr lang="en-US" sz="1100" kern="0" dirty="0" smtClean="0">
-                <a:solidFill>
-                  <a:srgbClr val="000000"/>
-                </a:solidFill>
-                <a:latin typeface="Arial"/>
-              </a:rPr>
-              <a:t>+</a:t>
-            </a:r>
-          </a:p>
-          <a:p>
-            <a:pPr marL="0" marR="0" lvl="0" indent="0" algn="ctr" defTabSz="914400" eaLnBrk="1" fontAlgn="auto" latinLnBrk="0" hangingPunct="1">
-              <a:lnSpc>
-                <a:spcPct val="100000"/>
-              </a:lnSpc>
-              <a:spcBef>
-                <a:spcPts val="0"/>
-              </a:spcBef>
-              <a:spcAft>
-                <a:spcPts val="0"/>
-              </a:spcAft>
-              <a:buClrTx/>
-              <a:buSzTx/>
-              <a:buFontTx/>
-              <a:buNone/>
-              <a:tabLst/>
-              <a:defRPr/>
-            </a:pPr>
-            <a:r>
-              <a:rPr lang="en-US" sz="1100" kern="0" dirty="0" smtClean="0">
-                <a:solidFill>
-                  <a:srgbClr val="000000"/>
-                </a:solidFill>
-                <a:latin typeface="Arial"/>
-              </a:rPr>
-              <a:t>Phase </a:t>
-            </a:r>
-          </a:p>
-          <a:p>
-            <a:pPr marL="0" marR="0" lvl="0" indent="0" algn="ctr" defTabSz="914400" eaLnBrk="1" fontAlgn="auto" latinLnBrk="0" hangingPunct="1">
-              <a:lnSpc>
-                <a:spcPct val="100000"/>
-              </a:lnSpc>
-              <a:spcBef>
-                <a:spcPts val="0"/>
-              </a:spcBef>
-              <a:spcAft>
-                <a:spcPts val="0"/>
-              </a:spcAft>
-              <a:buClrTx/>
-              <a:buSzTx/>
-              <a:buFontTx/>
-              <a:buNone/>
-              <a:tabLst/>
-              <a:defRPr/>
-            </a:pPr>
-            <a:r>
-              <a:rPr lang="en-US" sz="1100" kern="0" dirty="0" smtClean="0">
-                <a:solidFill>
-                  <a:srgbClr val="000000"/>
-                </a:solidFill>
-                <a:latin typeface="Arial"/>
-              </a:rPr>
-              <a:t>correction </a:t>
-            </a:r>
-            <a:endParaRPr kumimoji="0" sz="1100" b="0" i="0" u="none" strike="noStrike" kern="0" cap="none" spc="0" normalizeH="0" baseline="0" noProof="0" dirty="0" smtClean="0">
-              <a:ln>
-                <a:noFill/>
-              </a:ln>
-              <a:solidFill>
-                <a:prstClr val="black"/>
-              </a:solidFill>
-              <a:effectLst/>
-              <a:uLnTx/>
-              <a:uFillTx/>
-            </a:endParaRPr>
-          </a:p>
-        </p:txBody>
-      </p:sp>
-      <p:cxnSp>
-        <p:nvCxnSpPr>
-          <p:cNvPr id="91" name="Straight Connector 90"/>
-          <p:cNvCxnSpPr/>
-          <p:nvPr/>
-        </p:nvCxnSpPr>
-        <p:spPr>
-          <a:xfrm flipV="1">
-            <a:off x="6409576" y="5170477"/>
-            <a:ext cx="1655730" cy="1518"/>
-          </a:xfrm>
-          <a:prstGeom prst="line">
-            <a:avLst/>
-          </a:prstGeom>
-          <a:noFill/>
-          <a:ln w="28575" cap="flat" cmpd="sng" algn="ctr">
-            <a:solidFill>
-              <a:srgbClr val="0070C0"/>
-            </a:solidFill>
-            <a:prstDash val="solid"/>
-          </a:ln>
-          <a:effectLst/>
-        </p:spPr>
-      </p:cxnSp>
-      <p:sp>
-        <p:nvSpPr>
-          <p:cNvPr id="95" name="CustomShape 17"/>
-          <p:cNvSpPr/>
-          <p:nvPr/>
-        </p:nvSpPr>
-        <p:spPr>
-          <a:xfrm>
-            <a:off x="6338370" y="4221430"/>
-            <a:ext cx="871952" cy="489013"/>
-          </a:xfrm>
-          <a:prstGeom prst="parallelogram">
-            <a:avLst>
-              <a:gd name="adj" fmla="val 25000"/>
-            </a:avLst>
-          </a:prstGeom>
-          <a:solidFill>
-            <a:srgbClr val="808080"/>
-          </a:solidFill>
-          <a:ln w="25560">
-            <a:noFill/>
-          </a:ln>
-        </p:spPr>
-      </p:sp>
-      <p:sp>
-        <p:nvSpPr>
-          <p:cNvPr id="94" name="CustomShape 18"/>
-          <p:cNvSpPr/>
-          <p:nvPr/>
-        </p:nvSpPr>
-        <p:spPr>
-          <a:xfrm>
-            <a:off x="6229833" y="4312053"/>
-            <a:ext cx="1063463" cy="365368"/>
-          </a:xfrm>
-          <a:prstGeom prst="rect">
-            <a:avLst/>
-          </a:prstGeom>
-          <a:noFill/>
-          <a:ln>
-            <a:noFill/>
-          </a:ln>
-        </p:spPr>
-        <p:txBody>
-          <a:bodyPr wrap="none" lIns="90000" tIns="45000" rIns="90000" bIns="45000"/>
-          <a:lstStyle/>
-          <a:p>
-            <a:pPr marL="0" marR="0" lvl="0" indent="0" algn="ctr" defTabSz="914400" eaLnBrk="1" fontAlgn="auto" latinLnBrk="0" hangingPunct="1">
-              <a:lnSpc>
-                <a:spcPct val="100000"/>
-              </a:lnSpc>
-              <a:spcBef>
-                <a:spcPts val="0"/>
-              </a:spcBef>
-              <a:spcAft>
-                <a:spcPts val="0"/>
-              </a:spcAft>
-              <a:buClrTx/>
-              <a:buSzTx/>
-              <a:buFontTx/>
-              <a:buNone/>
-              <a:tabLst/>
-              <a:defRPr/>
-            </a:pPr>
-            <a:r>
-              <a:rPr lang="en-US" sz="1400" kern="0" dirty="0" smtClean="0">
-                <a:solidFill>
-                  <a:srgbClr val="000000"/>
-                </a:solidFill>
-                <a:latin typeface="Arial"/>
-              </a:rPr>
-              <a:t>LLO</a:t>
-            </a:r>
-            <a:endParaRPr kumimoji="0" sz="1400" b="0" i="0" u="none" strike="noStrike" kern="0" cap="none" spc="0" normalizeH="0" baseline="0" noProof="0" dirty="0" smtClean="0">
-              <a:ln>
-                <a:noFill/>
-              </a:ln>
-              <a:solidFill>
-                <a:prstClr val="black"/>
-              </a:solidFill>
-              <a:effectLst/>
-              <a:uLnTx/>
-              <a:uFillTx/>
-            </a:endParaRPr>
-          </a:p>
-        </p:txBody>
-      </p:sp>
-      <p:sp>
-        <p:nvSpPr>
-          <p:cNvPr id="103" name="Rectangle 102"/>
-          <p:cNvSpPr/>
-          <p:nvPr/>
-        </p:nvSpPr>
-        <p:spPr>
-          <a:xfrm>
-            <a:off x="1061784" y="643901"/>
-            <a:ext cx="4297348" cy="1906860"/>
+            <a:off x="1044047" y="4211672"/>
+            <a:ext cx="3744238" cy="1589054"/>
           </a:xfrm>
           <a:prstGeom prst="rect">
             <a:avLst/>
@@ -4620,14 +4639,77 @@
       </p:sp>
       <p:sp>
         <p:nvSpPr>
-          <p:cNvPr id="104" name="Rectangle 103"/>
+          <p:cNvPr id="111" name="CustomShape 18"/>
           <p:cNvSpPr/>
           <p:nvPr/>
         </p:nvSpPr>
         <p:spPr>
           <a:xfrm>
-            <a:off x="6181895" y="643901"/>
-            <a:ext cx="3066120" cy="1906860"/>
+            <a:off x="4034548" y="4239131"/>
+            <a:ext cx="728463" cy="255606"/>
+          </a:xfrm>
+          <a:prstGeom prst="rect">
+            <a:avLst/>
+          </a:prstGeom>
+          <a:noFill/>
+          <a:ln>
+            <a:noFill/>
+          </a:ln>
+        </p:spPr>
+        <p:txBody>
+          <a:bodyPr wrap="none" lIns="90000" tIns="45000" rIns="90000" bIns="45000"/>
+          <a:lstStyle/>
+          <a:p>
+            <a:pPr marL="0" marR="0" lvl="0" indent="0" algn="ctr" defTabSz="914400" eaLnBrk="1" fontAlgn="auto" latinLnBrk="0" hangingPunct="1">
+              <a:lnSpc>
+                <a:spcPct val="100000"/>
+              </a:lnSpc>
+              <a:spcBef>
+                <a:spcPts val="0"/>
+              </a:spcBef>
+              <a:spcAft>
+                <a:spcPts val="0"/>
+              </a:spcAft>
+              <a:buClrTx/>
+              <a:buSzTx/>
+              <a:buFontTx/>
+              <a:buNone/>
+              <a:tabLst/>
+              <a:defRPr/>
+            </a:pPr>
+            <a:r>
+              <a:rPr lang="en-US" kern="0" dirty="0" smtClean="0">
+                <a:solidFill>
+                  <a:srgbClr val="000000"/>
+                </a:solidFill>
+                <a:latin typeface="Arial"/>
+              </a:rPr>
+              <a:t>Alice</a:t>
+            </a:r>
+            <a:endParaRPr kumimoji="0" b="0" i="0" u="none" strike="noStrike" kern="0" cap="none" spc="0" normalizeH="0" baseline="0" noProof="0" dirty="0" smtClean="0">
+              <a:ln>
+                <a:noFill/>
+              </a:ln>
+              <a:solidFill>
+                <a:prstClr val="black"/>
+              </a:solidFill>
+              <a:effectLst/>
+              <a:uLnTx/>
+              <a:uFillTx/>
+            </a:endParaRPr>
+          </a:p>
+        </p:txBody>
+      </p:sp>
+      <p:sp>
+        <p:nvSpPr>
+          <p:cNvPr id="112" name="Rectangle 111"/>
+          <p:cNvSpPr/>
+          <p:nvPr/>
+        </p:nvSpPr>
+        <p:spPr>
+          <a:xfrm>
+            <a:off x="5796382" y="4168082"/>
+            <a:ext cx="3069160" cy="1632644"/>
           </a:xfrm>
           <a:prstGeom prst="rect">
             <a:avLst/>
@@ -4669,14 +4751,14 @@
       </p:sp>
       <p:sp>
         <p:nvSpPr>
-          <p:cNvPr id="107" name="CustomShape 18"/>
+          <p:cNvPr id="113" name="CustomShape 18"/>
           <p:cNvSpPr/>
           <p:nvPr/>
         </p:nvSpPr>
         <p:spPr>
           <a:xfrm>
-            <a:off x="8568777" y="664036"/>
-            <a:ext cx="891944" cy="285108"/>
+            <a:off x="8164642" y="4139738"/>
+            <a:ext cx="728463" cy="255606"/>
           </a:xfrm>
           <a:prstGeom prst="rect">
             <a:avLst/>
@@ -4732,13 +4814,88 @@
       </p:sp>
       <p:sp>
         <p:nvSpPr>
-          <p:cNvPr id="108" name="CustomShape 18"/>
+          <p:cNvPr id="79" name="CustomShape 6"/>
           <p:cNvSpPr/>
           <p:nvPr/>
         </p:nvSpPr>
         <p:spPr>
+          <a:xfrm flipV="1">
+            <a:off x="2467455" y="1041117"/>
+            <a:ext cx="675727" cy="477321"/>
+          </a:xfrm>
+          <a:prstGeom prst="curvedConnector3">
+            <a:avLst>
+              <a:gd name="adj1" fmla="val 42663"/>
+            </a:avLst>
+          </a:prstGeom>
+          <a:noFill/>
+          <a:ln w="31680">
+            <a:solidFill>
+              <a:srgbClr val="0070C0"/>
+            </a:solidFill>
+            <a:round/>
+          </a:ln>
+        </p:spPr>
+      </p:sp>
+      <p:sp>
+        <p:nvSpPr>
+          <p:cNvPr id="80" name="CustomShape 6"/>
+          <p:cNvSpPr/>
+          <p:nvPr/>
+        </p:nvSpPr>
+        <p:spPr>
+          <a:xfrm flipH="1">
+            <a:off x="1858259" y="1519878"/>
+            <a:ext cx="615070" cy="492277"/>
+          </a:xfrm>
+          <a:prstGeom prst="curvedConnector3">
+            <a:avLst>
+              <a:gd name="adj1" fmla="val 46034"/>
+            </a:avLst>
+          </a:prstGeom>
+          <a:noFill/>
+          <a:ln w="31680">
+            <a:solidFill>
+              <a:srgbClr val="0070C0"/>
+            </a:solidFill>
+            <a:round/>
+          </a:ln>
+        </p:spPr>
+      </p:sp>
+      <p:sp>
+        <p:nvSpPr>
+          <p:cNvPr id="83" name="CustomShape 5"/>
+          <p:cNvSpPr/>
+          <p:nvPr/>
+        </p:nvSpPr>
+        <p:spPr>
+          <a:xfrm rot="10800000">
+            <a:off x="1896012" y="1059102"/>
+            <a:ext cx="577364" cy="460776"/>
+          </a:xfrm>
+          <a:prstGeom prst="curvedConnector3">
+            <a:avLst>
+              <a:gd name="adj1" fmla="val 50000"/>
+            </a:avLst>
+          </a:prstGeom>
+          <a:noFill/>
+          <a:ln w="28575">
+            <a:solidFill>
+              <a:srgbClr val="0070C0"/>
+            </a:solidFill>
+            <a:round/>
+          </a:ln>
+        </p:spPr>
+      </p:sp>
+      <p:sp>
+        <p:nvSpPr>
+          <p:cNvPr id="92" name="CustomShape 18"/>
+          <p:cNvSpPr/>
+          <p:nvPr/>
+        </p:nvSpPr>
+        <p:spPr>
           <a:xfrm>
-            <a:off x="4633479" y="636957"/>
+            <a:off x="6922993" y="1030919"/>
             <a:ext cx="891944" cy="285108"/>
           </a:xfrm>
           <a:prstGeom prst="rect">
@@ -4771,15 +4928,15 @@
               <a:defRPr/>
             </a:pPr>
             <a:r>
-              <a:rPr lang="en-US" kern="0" dirty="0" smtClean="0">
+              <a:rPr lang="en-US" sz="1100" kern="0" dirty="0" smtClean="0">
                 <a:solidFill>
                   <a:srgbClr val="000000"/>
                 </a:solidFill>
                 <a:latin typeface="Arial"/>
               </a:rPr>
-              <a:t>Alice</a:t>
-            </a:r>
-            <a:endParaRPr kumimoji="0" b="0" i="0" u="none" strike="noStrike" kern="0" cap="none" spc="0" normalizeH="0" baseline="0" noProof="0" dirty="0" smtClean="0">
+              <a:t>LO signal</a:t>
+            </a:r>
+            <a:endParaRPr kumimoji="0" sz="1100" b="0" i="0" u="none" strike="noStrike" kern="0" cap="none" spc="0" normalizeH="0" baseline="0" noProof="0" dirty="0" smtClean="0">
               <a:ln>
                 <a:noFill/>
               </a:ln>
@@ -4795,63 +4952,14 @@
       </p:sp>
       <p:sp>
         <p:nvSpPr>
-          <p:cNvPr id="110" name="Rectangle 109"/>
+          <p:cNvPr id="93" name="CustomShape 18"/>
           <p:cNvSpPr/>
           <p:nvPr/>
         </p:nvSpPr>
         <p:spPr>
           <a:xfrm>
-            <a:off x="1037034" y="3839348"/>
-            <a:ext cx="4386208" cy="1961378"/>
-          </a:xfrm>
-          <a:prstGeom prst="rect">
-            <a:avLst/>
-          </a:prstGeom>
-          <a:noFill/>
-          <a:ln>
-            <a:solidFill>
-              <a:schemeClr val="tx1">
-                <a:alpha val="63000"/>
-              </a:schemeClr>
-            </a:solidFill>
-            <a:prstDash val="sysDash"/>
-          </a:ln>
-        </p:spPr>
-        <p:style>
-          <a:lnRef idx="2">
-            <a:schemeClr val="accent1">
-              <a:shade val="50000"/>
-            </a:schemeClr>
-          </a:lnRef>
-          <a:fillRef idx="1">
-            <a:schemeClr val="accent1"/>
-          </a:fillRef>
-          <a:effectRef idx="0">
-            <a:schemeClr val="accent1"/>
-          </a:effectRef>
-          <a:fontRef idx="minor">
-            <a:schemeClr val="lt1"/>
-          </a:fontRef>
-        </p:style>
-        <p:txBody>
-          <a:bodyPr rtlCol="0" anchor="ctr"/>
-          <a:lstStyle/>
-          <a:p>
-            <a:pPr algn="ctr"/>
-            <a:endParaRPr lang="da-DK"/>
-          </a:p>
-        </p:txBody>
-      </p:sp>
-      <p:sp>
-        <p:nvSpPr>
-          <p:cNvPr id="111" name="CustomShape 18"/>
-          <p:cNvSpPr/>
-          <p:nvPr/>
-        </p:nvSpPr>
-        <p:spPr>
-          <a:xfrm>
-            <a:off x="4777753" y="3823577"/>
-            <a:ext cx="728463" cy="255606"/>
+            <a:off x="6900201" y="1817438"/>
+            <a:ext cx="891944" cy="309688"/>
           </a:xfrm>
           <a:prstGeom prst="rect">
             <a:avLst/>
@@ -4883,15 +4991,15 @@
               <a:defRPr/>
             </a:pPr>
             <a:r>
-              <a:rPr lang="en-US" kern="0" dirty="0" smtClean="0">
+              <a:rPr lang="en-US" sz="900" kern="0" dirty="0" smtClean="0">
                 <a:solidFill>
                   <a:srgbClr val="000000"/>
                 </a:solidFill>
                 <a:latin typeface="Arial"/>
               </a:rPr>
-              <a:t>Alice</a:t>
-            </a:r>
-            <a:endParaRPr kumimoji="0" b="0" i="0" u="none" strike="noStrike" kern="0" cap="none" spc="0" normalizeH="0" baseline="0" noProof="0" dirty="0" smtClean="0">
+              <a:t>Quantum signal</a:t>
+            </a:r>
+            <a:endParaRPr kumimoji="0" sz="900" b="0" i="0" u="none" strike="noStrike" kern="0" cap="none" spc="0" normalizeH="0" baseline="0" noProof="0" dirty="0" smtClean="0">
               <a:ln>
                 <a:noFill/>
               </a:ln>
@@ -4907,63 +5015,14 @@
       </p:sp>
       <p:sp>
         <p:nvSpPr>
-          <p:cNvPr id="112" name="Rectangle 111"/>
+          <p:cNvPr id="96" name="CustomShape 18"/>
           <p:cNvSpPr/>
           <p:nvPr/>
         </p:nvSpPr>
         <p:spPr>
           <a:xfrm>
-            <a:off x="6190234" y="3785624"/>
-            <a:ext cx="3066120" cy="2015102"/>
-          </a:xfrm>
-          <a:prstGeom prst="rect">
-            <a:avLst/>
-          </a:prstGeom>
-          <a:noFill/>
-          <a:ln>
-            <a:solidFill>
-              <a:schemeClr val="tx1">
-                <a:alpha val="63000"/>
-              </a:schemeClr>
-            </a:solidFill>
-            <a:prstDash val="sysDash"/>
-          </a:ln>
-        </p:spPr>
-        <p:style>
-          <a:lnRef idx="2">
-            <a:schemeClr val="accent1">
-              <a:shade val="50000"/>
-            </a:schemeClr>
-          </a:lnRef>
-          <a:fillRef idx="1">
-            <a:schemeClr val="accent1"/>
-          </a:fillRef>
-          <a:effectRef idx="0">
-            <a:schemeClr val="accent1"/>
-          </a:effectRef>
-          <a:fontRef idx="minor">
-            <a:schemeClr val="lt1"/>
-          </a:fontRef>
-        </p:style>
-        <p:txBody>
-          <a:bodyPr rtlCol="0" anchor="ctr"/>
-          <a:lstStyle/>
-          <a:p>
-            <a:pPr algn="ctr"/>
-            <a:endParaRPr lang="da-DK"/>
-          </a:p>
-        </p:txBody>
-      </p:sp>
-      <p:sp>
-        <p:nvSpPr>
-          <p:cNvPr id="113" name="CustomShape 18"/>
-          <p:cNvSpPr/>
-          <p:nvPr/>
-        </p:nvSpPr>
-        <p:spPr>
-          <a:xfrm>
-            <a:off x="8650517" y="3774120"/>
-            <a:ext cx="728463" cy="255606"/>
+            <a:off x="1044047" y="888460"/>
+            <a:ext cx="1063463" cy="365368"/>
           </a:xfrm>
           <a:prstGeom prst="rect">
             <a:avLst/>
@@ -5001,7 +5060,7 @@
                 </a:solidFill>
                 <a:latin typeface="Arial"/>
               </a:rPr>
-              <a:t>Bob</a:t>
+              <a:t>Laser</a:t>
             </a:r>
             <a:endParaRPr kumimoji="0" sz="1600" b="0" i="0" u="none" strike="noStrike" kern="0" cap="none" spc="0" normalizeH="0" baseline="0" noProof="0" dirty="0" smtClean="0">
               <a:ln>
@@ -5019,89 +5078,14 @@
       </p:sp>
       <p:sp>
         <p:nvSpPr>
-          <p:cNvPr id="79" name="CustomShape 6"/>
+          <p:cNvPr id="105" name="CustomShape 18"/>
           <p:cNvSpPr/>
           <p:nvPr/>
         </p:nvSpPr>
         <p:spPr>
-          <a:xfrm flipV="1">
-            <a:off x="2706339" y="1110553"/>
-            <a:ext cx="675727" cy="477321"/>
-          </a:xfrm>
-          <a:prstGeom prst="curvedConnector3">
-            <a:avLst>
-              <a:gd name="adj1" fmla="val 42663"/>
-            </a:avLst>
-          </a:prstGeom>
-          <a:noFill/>
-          <a:ln w="31680">
-            <a:solidFill>
-              <a:srgbClr val="0070C0"/>
-            </a:solidFill>
-            <a:round/>
-          </a:ln>
-        </p:spPr>
-      </p:sp>
-      <p:sp>
-        <p:nvSpPr>
-          <p:cNvPr id="80" name="CustomShape 6"/>
-          <p:cNvSpPr/>
-          <p:nvPr/>
-        </p:nvSpPr>
-        <p:spPr>
-          <a:xfrm flipH="1">
-            <a:off x="2071539" y="1585834"/>
-            <a:ext cx="642463" cy="479260"/>
-          </a:xfrm>
-          <a:prstGeom prst="curvedConnector3">
-            <a:avLst>
-              <a:gd name="adj1" fmla="val 46034"/>
-            </a:avLst>
-          </a:prstGeom>
-          <a:noFill/>
-          <a:ln w="31680">
-            <a:solidFill>
-              <a:srgbClr val="0070C0"/>
-            </a:solidFill>
-            <a:round/>
-          </a:ln>
-        </p:spPr>
-      </p:sp>
-      <p:sp>
-        <p:nvSpPr>
-          <p:cNvPr id="83" name="CustomShape 5"/>
-          <p:cNvSpPr/>
-          <p:nvPr/>
-        </p:nvSpPr>
-        <p:spPr>
-          <a:xfrm rot="10800000">
-            <a:off x="2132150" y="1127047"/>
-            <a:ext cx="577364" cy="460776"/>
-          </a:xfrm>
-          <a:prstGeom prst="curvedConnector3">
-            <a:avLst>
-              <a:gd name="adj1" fmla="val 50000"/>
-            </a:avLst>
-          </a:prstGeom>
-          <a:noFill/>
-          <a:ln w="28575">
-            <a:solidFill>
-              <a:srgbClr val="0070C0"/>
-            </a:solidFill>
-            <a:round/>
-          </a:ln>
-        </p:spPr>
-      </p:sp>
-      <p:sp>
-        <p:nvSpPr>
-          <p:cNvPr id="92" name="CustomShape 18"/>
-          <p:cNvSpPr/>
-          <p:nvPr/>
-        </p:nvSpPr>
-        <p:spPr>
           <a:xfrm>
-            <a:off x="7173362" y="885467"/>
-            <a:ext cx="891944" cy="285108"/>
+            <a:off x="5788782" y="5191376"/>
+            <a:ext cx="1702234" cy="297162"/>
           </a:xfrm>
           <a:prstGeom prst="rect">
             <a:avLst/>
@@ -5139,16 +5123,7 @@
                 </a:solidFill>
                 <a:latin typeface="Arial"/>
               </a:rPr>
-              <a:t>LO </a:t>
-            </a:r>
-            <a:r>
-              <a:rPr lang="en-US" sz="1100" kern="0" dirty="0" smtClean="0">
-                <a:solidFill>
-                  <a:srgbClr val="000000"/>
-                </a:solidFill>
-                <a:latin typeface="Arial"/>
-              </a:rPr>
-              <a:t>signal</a:t>
+              <a:t>Quantum + pilot signal</a:t>
             </a:r>
             <a:endParaRPr kumimoji="0" sz="1100" b="0" i="0" u="none" strike="noStrike" kern="0" cap="none" spc="0" normalizeH="0" baseline="0" noProof="0" dirty="0" smtClean="0">
               <a:ln>
@@ -5166,13 +5141,13 @@
       </p:sp>
       <p:sp>
         <p:nvSpPr>
-          <p:cNvPr id="93" name="CustomShape 18"/>
+          <p:cNvPr id="106" name="CustomShape 18"/>
           <p:cNvSpPr/>
           <p:nvPr/>
         </p:nvSpPr>
         <p:spPr>
           <a:xfrm>
-            <a:off x="7166849" y="1842996"/>
+            <a:off x="6602422" y="4395344"/>
             <a:ext cx="891944" cy="285108"/>
           </a:xfrm>
           <a:prstGeom prst="rect">
@@ -5205,15 +5180,15 @@
               <a:defRPr/>
             </a:pPr>
             <a:r>
-              <a:rPr lang="en-US" sz="900" kern="0" dirty="0" smtClean="0">
+              <a:rPr lang="en-US" sz="1100" kern="0" dirty="0" smtClean="0">
                 <a:solidFill>
                   <a:srgbClr val="000000"/>
                 </a:solidFill>
                 <a:latin typeface="Arial"/>
               </a:rPr>
-              <a:t>Quantum signal</a:t>
-            </a:r>
-            <a:endParaRPr kumimoji="0" sz="900" b="0" i="0" u="none" strike="noStrike" kern="0" cap="none" spc="0" normalizeH="0" baseline="0" noProof="0" dirty="0" smtClean="0">
+              <a:t>LO signal</a:t>
+            </a:r>
+            <a:endParaRPr kumimoji="0" sz="1100" b="0" i="0" u="none" strike="noStrike" kern="0" cap="none" spc="0" normalizeH="0" baseline="0" noProof="0" dirty="0" smtClean="0">
               <a:ln>
                 <a:noFill/>
               </a:ln>
@@ -5229,13 +5204,1600 @@
       </p:sp>
       <p:sp>
         <p:nvSpPr>
-          <p:cNvPr id="96" name="CustomShape 18"/>
+          <p:cNvPr id="52" name="CustomShape 34 2"/>
           <p:cNvSpPr/>
           <p:nvPr/>
         </p:nvSpPr>
         <p:spPr>
           <a:xfrm>
-            <a:off x="1148829" y="974981"/>
+            <a:off x="3474066" y="5061770"/>
+            <a:ext cx="470719" cy="234034"/>
+          </a:xfrm>
+          <a:prstGeom prst="roundRect">
+            <a:avLst>
+              <a:gd name="adj" fmla="val 16667"/>
+            </a:avLst>
+          </a:prstGeom>
+          <a:gradFill>
+            <a:gsLst>
+              <a:gs pos="0">
+                <a:srgbClr val="9BBB59"/>
+              </a:gs>
+              <a:gs pos="100000">
+                <a:srgbClr val="000000"/>
+              </a:gs>
+            </a:gsLst>
+            <a:lin ang="0"/>
+          </a:gradFill>
+          <a:ln w="25560">
+            <a:noFill/>
+          </a:ln>
+        </p:spPr>
+      </p:sp>
+      <p:sp>
+        <p:nvSpPr>
+          <p:cNvPr id="53" name="CustomShape 35 2"/>
+          <p:cNvSpPr/>
+          <p:nvPr/>
+        </p:nvSpPr>
+        <p:spPr>
+          <a:xfrm>
+            <a:off x="3397425" y="5048394"/>
+            <a:ext cx="868690" cy="422712"/>
+          </a:xfrm>
+          <a:prstGeom prst="rect">
+            <a:avLst/>
+          </a:prstGeom>
+          <a:noFill/>
+          <a:ln>
+            <a:noFill/>
+          </a:ln>
+        </p:spPr>
+        <p:txBody>
+          <a:bodyPr wrap="none" lIns="90000" tIns="45000" rIns="90000" bIns="45000"/>
+          <a:lstStyle/>
+          <a:p>
+            <a:pPr marL="0" marR="0" lvl="0" indent="0" defTabSz="914400" eaLnBrk="1" fontAlgn="auto" latinLnBrk="0" hangingPunct="1">
+              <a:lnSpc>
+                <a:spcPct val="100000"/>
+              </a:lnSpc>
+              <a:spcBef>
+                <a:spcPts val="0"/>
+              </a:spcBef>
+              <a:spcAft>
+                <a:spcPts val="0"/>
+              </a:spcAft>
+              <a:buClrTx/>
+              <a:buSzTx/>
+              <a:buFontTx/>
+              <a:buNone/>
+              <a:tabLst/>
+              <a:defRPr/>
+            </a:pPr>
+            <a:r>
+              <a:rPr kumimoji="0" lang="da-DK" sz="1200" b="0" i="0" u="none" strike="noStrike" kern="0" cap="none" spc="0" normalizeH="0" baseline="0" noProof="0" dirty="0" smtClean="0">
+                <a:ln>
+                  <a:noFill/>
+                </a:ln>
+                <a:solidFill>
+                  <a:srgbClr val="000000"/>
+                </a:solidFill>
+                <a:effectLst/>
+                <a:uLnTx/>
+                <a:uFillTx/>
+                <a:latin typeface="Arial"/>
+              </a:rPr>
+              <a:t>VATT</a:t>
+            </a:r>
+            <a:endParaRPr kumimoji="0" sz="1200" b="0" i="0" u="none" strike="noStrike" kern="0" cap="none" spc="0" normalizeH="0" baseline="0" noProof="0" dirty="0" smtClean="0">
+              <a:ln>
+                <a:noFill/>
+              </a:ln>
+              <a:solidFill>
+                <a:prstClr val="black"/>
+              </a:solidFill>
+              <a:effectLst/>
+              <a:uLnTx/>
+              <a:uFillTx/>
+            </a:endParaRPr>
+          </a:p>
+        </p:txBody>
+      </p:sp>
+      <p:grpSp>
+        <p:nvGrpSpPr>
+          <p:cNvPr id="58" name="Group 57"/>
+          <p:cNvGrpSpPr/>
+          <p:nvPr/>
+        </p:nvGrpSpPr>
+        <p:grpSpPr>
+          <a:xfrm>
+            <a:off x="5599439" y="1402582"/>
+            <a:ext cx="370267" cy="410646"/>
+            <a:chOff x="5212431" y="4474143"/>
+            <a:chExt cx="552946" cy="605570"/>
+          </a:xfrm>
+        </p:grpSpPr>
+        <p:sp>
+          <p:nvSpPr>
+            <p:cNvPr id="59" name="Can 58"/>
+            <p:cNvSpPr/>
+            <p:nvPr/>
+          </p:nvSpPr>
+          <p:spPr>
+            <a:xfrm>
+              <a:off x="5212538" y="4968835"/>
+              <a:ext cx="552839" cy="110878"/>
+            </a:xfrm>
+            <a:prstGeom prst="can">
+              <a:avLst>
+                <a:gd name="adj" fmla="val 50000"/>
+              </a:avLst>
+            </a:prstGeom>
+            <a:solidFill>
+              <a:schemeClr val="tx2"/>
+            </a:solidFill>
+            <a:ln w="9525">
+              <a:solidFill>
+                <a:schemeClr val="tx2"/>
+              </a:solidFill>
+            </a:ln>
+            <a:scene3d>
+              <a:camera prst="orthographicFront">
+                <a:rot lat="0" lon="0" rev="0"/>
+              </a:camera>
+              <a:lightRig rig="threePt" dir="t"/>
+            </a:scene3d>
+          </p:spPr>
+          <p:style>
+            <a:lnRef idx="2">
+              <a:schemeClr val="accent1">
+                <a:shade val="50000"/>
+              </a:schemeClr>
+            </a:lnRef>
+            <a:fillRef idx="1">
+              <a:schemeClr val="accent1"/>
+            </a:fillRef>
+            <a:effectRef idx="0">
+              <a:schemeClr val="accent1"/>
+            </a:effectRef>
+            <a:fontRef idx="minor">
+              <a:schemeClr val="lt1"/>
+            </a:fontRef>
+          </p:style>
+          <p:txBody>
+            <a:bodyPr rtlCol="0" anchor="ctr"/>
+            <a:lstStyle/>
+            <a:p>
+              <a:pPr algn="ctr"/>
+              <a:endParaRPr lang="en-GB"/>
+            </a:p>
+          </p:txBody>
+        </p:sp>
+        <p:grpSp>
+          <p:nvGrpSpPr>
+            <p:cNvPr id="60" name="Group 59"/>
+            <p:cNvGrpSpPr/>
+            <p:nvPr/>
+          </p:nvGrpSpPr>
+          <p:grpSpPr>
+            <a:xfrm>
+              <a:off x="5277572" y="4732951"/>
+              <a:ext cx="422665" cy="275027"/>
+              <a:chOff x="1530028" y="4595042"/>
+              <a:chExt cx="533535" cy="510684"/>
+            </a:xfrm>
+          </p:grpSpPr>
+          <p:sp>
+            <p:nvSpPr>
+              <p:cNvPr id="68" name="Can 67"/>
+              <p:cNvSpPr/>
+              <p:nvPr/>
+            </p:nvSpPr>
+            <p:spPr>
+              <a:xfrm>
+                <a:off x="1530163" y="4899842"/>
+                <a:ext cx="533400" cy="205884"/>
+              </a:xfrm>
+              <a:prstGeom prst="can">
+                <a:avLst>
+                  <a:gd name="adj" fmla="val 50000"/>
+                </a:avLst>
+              </a:prstGeom>
+              <a:solidFill>
+                <a:schemeClr val="bg2"/>
+              </a:solidFill>
+              <a:ln w="9525">
+                <a:solidFill>
+                  <a:srgbClr val="FF6600"/>
+                </a:solidFill>
+              </a:ln>
+              <a:scene3d>
+                <a:camera prst="orthographicFront">
+                  <a:rot lat="0" lon="0" rev="0"/>
+                </a:camera>
+                <a:lightRig rig="threePt" dir="t"/>
+              </a:scene3d>
+            </p:spPr>
+            <p:style>
+              <a:lnRef idx="2">
+                <a:schemeClr val="accent1">
+                  <a:shade val="50000"/>
+                </a:schemeClr>
+              </a:lnRef>
+              <a:fillRef idx="1">
+                <a:schemeClr val="accent1"/>
+              </a:fillRef>
+              <a:effectRef idx="0">
+                <a:schemeClr val="accent1"/>
+              </a:effectRef>
+              <a:fontRef idx="minor">
+                <a:schemeClr val="lt1"/>
+              </a:fontRef>
+            </p:style>
+            <p:txBody>
+              <a:bodyPr rtlCol="0" anchor="ctr"/>
+              <a:lstStyle/>
+              <a:p>
+                <a:pPr algn="ctr"/>
+                <a:endParaRPr lang="en-GB"/>
+              </a:p>
+            </p:txBody>
+          </p:sp>
+          <p:sp>
+            <p:nvSpPr>
+              <p:cNvPr id="70" name="Can 69"/>
+              <p:cNvSpPr/>
+              <p:nvPr/>
+            </p:nvSpPr>
+            <p:spPr>
+              <a:xfrm>
+                <a:off x="1530163" y="4823642"/>
+                <a:ext cx="533400" cy="205884"/>
+              </a:xfrm>
+              <a:prstGeom prst="can">
+                <a:avLst>
+                  <a:gd name="adj" fmla="val 50000"/>
+                </a:avLst>
+              </a:prstGeom>
+              <a:solidFill>
+                <a:schemeClr val="bg2"/>
+              </a:solidFill>
+              <a:ln w="9525">
+                <a:solidFill>
+                  <a:srgbClr val="FF6600"/>
+                </a:solidFill>
+              </a:ln>
+              <a:scene3d>
+                <a:camera prst="orthographicFront">
+                  <a:rot lat="0" lon="0" rev="0"/>
+                </a:camera>
+                <a:lightRig rig="threePt" dir="t"/>
+              </a:scene3d>
+            </p:spPr>
+            <p:style>
+              <a:lnRef idx="2">
+                <a:schemeClr val="accent1">
+                  <a:shade val="50000"/>
+                </a:schemeClr>
+              </a:lnRef>
+              <a:fillRef idx="1">
+                <a:schemeClr val="accent1"/>
+              </a:fillRef>
+              <a:effectRef idx="0">
+                <a:schemeClr val="accent1"/>
+              </a:effectRef>
+              <a:fontRef idx="minor">
+                <a:schemeClr val="lt1"/>
+              </a:fontRef>
+            </p:style>
+            <p:txBody>
+              <a:bodyPr rtlCol="0" anchor="ctr"/>
+              <a:lstStyle/>
+              <a:p>
+                <a:pPr algn="ctr"/>
+                <a:endParaRPr lang="en-GB"/>
+              </a:p>
+            </p:txBody>
+          </p:sp>
+          <p:sp>
+            <p:nvSpPr>
+              <p:cNvPr id="71" name="Can 70"/>
+              <p:cNvSpPr/>
+              <p:nvPr/>
+            </p:nvSpPr>
+            <p:spPr>
+              <a:xfrm>
+                <a:off x="1530163" y="4747442"/>
+                <a:ext cx="533400" cy="205884"/>
+              </a:xfrm>
+              <a:prstGeom prst="can">
+                <a:avLst>
+                  <a:gd name="adj" fmla="val 50000"/>
+                </a:avLst>
+              </a:prstGeom>
+              <a:solidFill>
+                <a:schemeClr val="bg2"/>
+              </a:solidFill>
+              <a:ln w="9525">
+                <a:solidFill>
+                  <a:srgbClr val="FF6600"/>
+                </a:solidFill>
+              </a:ln>
+              <a:scene3d>
+                <a:camera prst="orthographicFront">
+                  <a:rot lat="0" lon="0" rev="0"/>
+                </a:camera>
+                <a:lightRig rig="threePt" dir="t"/>
+              </a:scene3d>
+            </p:spPr>
+            <p:style>
+              <a:lnRef idx="2">
+                <a:schemeClr val="accent1">
+                  <a:shade val="50000"/>
+                </a:schemeClr>
+              </a:lnRef>
+              <a:fillRef idx="1">
+                <a:schemeClr val="accent1"/>
+              </a:fillRef>
+              <a:effectRef idx="0">
+                <a:schemeClr val="accent1"/>
+              </a:effectRef>
+              <a:fontRef idx="minor">
+                <a:schemeClr val="lt1"/>
+              </a:fontRef>
+            </p:style>
+            <p:txBody>
+              <a:bodyPr rtlCol="0" anchor="ctr"/>
+              <a:lstStyle/>
+              <a:p>
+                <a:pPr algn="ctr"/>
+                <a:endParaRPr lang="en-GB"/>
+              </a:p>
+            </p:txBody>
+          </p:sp>
+          <p:sp>
+            <p:nvSpPr>
+              <p:cNvPr id="72" name="Can 71"/>
+              <p:cNvSpPr/>
+              <p:nvPr/>
+            </p:nvSpPr>
+            <p:spPr>
+              <a:xfrm>
+                <a:off x="1530163" y="4671242"/>
+                <a:ext cx="533400" cy="205884"/>
+              </a:xfrm>
+              <a:prstGeom prst="can">
+                <a:avLst>
+                  <a:gd name="adj" fmla="val 50000"/>
+                </a:avLst>
+              </a:prstGeom>
+              <a:solidFill>
+                <a:schemeClr val="bg2"/>
+              </a:solidFill>
+              <a:ln w="9525">
+                <a:solidFill>
+                  <a:srgbClr val="FF6600"/>
+                </a:solidFill>
+              </a:ln>
+              <a:scene3d>
+                <a:camera prst="orthographicFront">
+                  <a:rot lat="0" lon="0" rev="0"/>
+                </a:camera>
+                <a:lightRig rig="threePt" dir="t"/>
+              </a:scene3d>
+            </p:spPr>
+            <p:style>
+              <a:lnRef idx="2">
+                <a:schemeClr val="accent1">
+                  <a:shade val="50000"/>
+                </a:schemeClr>
+              </a:lnRef>
+              <a:fillRef idx="1">
+                <a:schemeClr val="accent1"/>
+              </a:fillRef>
+              <a:effectRef idx="0">
+                <a:schemeClr val="accent1"/>
+              </a:effectRef>
+              <a:fontRef idx="minor">
+                <a:schemeClr val="lt1"/>
+              </a:fontRef>
+            </p:style>
+            <p:txBody>
+              <a:bodyPr rtlCol="0" anchor="ctr"/>
+              <a:lstStyle/>
+              <a:p>
+                <a:pPr algn="ctr"/>
+                <a:endParaRPr lang="en-GB"/>
+              </a:p>
+            </p:txBody>
+          </p:sp>
+          <p:sp>
+            <p:nvSpPr>
+              <p:cNvPr id="73" name="Can 72"/>
+              <p:cNvSpPr/>
+              <p:nvPr/>
+            </p:nvSpPr>
+            <p:spPr>
+              <a:xfrm>
+                <a:off x="1530028" y="4595042"/>
+                <a:ext cx="533400" cy="205884"/>
+              </a:xfrm>
+              <a:prstGeom prst="can">
+                <a:avLst>
+                  <a:gd name="adj" fmla="val 50000"/>
+                </a:avLst>
+              </a:prstGeom>
+              <a:solidFill>
+                <a:schemeClr val="bg2"/>
+              </a:solidFill>
+              <a:ln w="9525">
+                <a:solidFill>
+                  <a:srgbClr val="FF6600"/>
+                </a:solidFill>
+              </a:ln>
+              <a:scene3d>
+                <a:camera prst="orthographicFront">
+                  <a:rot lat="0" lon="0" rev="0"/>
+                </a:camera>
+                <a:lightRig rig="threePt" dir="t"/>
+              </a:scene3d>
+            </p:spPr>
+            <p:style>
+              <a:lnRef idx="2">
+                <a:schemeClr val="accent1">
+                  <a:shade val="50000"/>
+                </a:schemeClr>
+              </a:lnRef>
+              <a:fillRef idx="1">
+                <a:schemeClr val="accent1"/>
+              </a:fillRef>
+              <a:effectRef idx="0">
+                <a:schemeClr val="accent1"/>
+              </a:effectRef>
+              <a:fontRef idx="minor">
+                <a:schemeClr val="lt1"/>
+              </a:fontRef>
+            </p:style>
+            <p:txBody>
+              <a:bodyPr rtlCol="0" anchor="ctr"/>
+              <a:lstStyle/>
+              <a:p>
+                <a:pPr algn="ctr"/>
+                <a:endParaRPr lang="en-GB"/>
+              </a:p>
+            </p:txBody>
+          </p:sp>
+        </p:grpSp>
+        <p:sp>
+          <p:nvSpPr>
+            <p:cNvPr id="61" name="Can 60"/>
+            <p:cNvSpPr/>
+            <p:nvPr/>
+          </p:nvSpPr>
+          <p:spPr>
+            <a:xfrm>
+              <a:off x="5277679" y="4691914"/>
+              <a:ext cx="422558" cy="110878"/>
+            </a:xfrm>
+            <a:prstGeom prst="can">
+              <a:avLst>
+                <a:gd name="adj" fmla="val 50000"/>
+              </a:avLst>
+            </a:prstGeom>
+            <a:solidFill>
+              <a:schemeClr val="bg2"/>
+            </a:solidFill>
+            <a:ln w="9525">
+              <a:solidFill>
+                <a:srgbClr val="FF6600"/>
+              </a:solidFill>
+            </a:ln>
+            <a:scene3d>
+              <a:camera prst="perspectiveRelaxed" fov="1500000">
+                <a:rot lat="21594000" lon="0" rev="0"/>
+              </a:camera>
+              <a:lightRig rig="threePt" dir="t"/>
+            </a:scene3d>
+          </p:spPr>
+          <p:style>
+            <a:lnRef idx="2">
+              <a:schemeClr val="accent1">
+                <a:shade val="50000"/>
+              </a:schemeClr>
+            </a:lnRef>
+            <a:fillRef idx="1">
+              <a:schemeClr val="accent1"/>
+            </a:fillRef>
+            <a:effectRef idx="0">
+              <a:schemeClr val="accent1"/>
+            </a:effectRef>
+            <a:fontRef idx="minor">
+              <a:schemeClr val="lt1"/>
+            </a:fontRef>
+          </p:style>
+          <p:txBody>
+            <a:bodyPr rtlCol="0" anchor="ctr"/>
+            <a:lstStyle/>
+            <a:p>
+              <a:pPr algn="ctr"/>
+              <a:endParaRPr lang="en-GB"/>
+            </a:p>
+          </p:txBody>
+        </p:sp>
+        <p:sp>
+          <p:nvSpPr>
+            <p:cNvPr id="63" name="Can 62"/>
+            <p:cNvSpPr/>
+            <p:nvPr/>
+          </p:nvSpPr>
+          <p:spPr>
+            <a:xfrm>
+              <a:off x="5277679" y="4650877"/>
+              <a:ext cx="422558" cy="110878"/>
+            </a:xfrm>
+            <a:prstGeom prst="can">
+              <a:avLst>
+                <a:gd name="adj" fmla="val 50000"/>
+              </a:avLst>
+            </a:prstGeom>
+            <a:solidFill>
+              <a:schemeClr val="bg2"/>
+            </a:solidFill>
+            <a:ln w="9525">
+              <a:solidFill>
+                <a:srgbClr val="FF6600"/>
+              </a:solidFill>
+            </a:ln>
+            <a:scene3d>
+              <a:camera prst="perspectiveRelaxed" fov="1500000">
+                <a:rot lat="21594000" lon="0" rev="0"/>
+              </a:camera>
+              <a:lightRig rig="threePt" dir="t"/>
+            </a:scene3d>
+          </p:spPr>
+          <p:style>
+            <a:lnRef idx="2">
+              <a:schemeClr val="accent1">
+                <a:shade val="50000"/>
+              </a:schemeClr>
+            </a:lnRef>
+            <a:fillRef idx="1">
+              <a:schemeClr val="accent1"/>
+            </a:fillRef>
+            <a:effectRef idx="0">
+              <a:schemeClr val="accent1"/>
+            </a:effectRef>
+            <a:fontRef idx="minor">
+              <a:schemeClr val="lt1"/>
+            </a:fontRef>
+          </p:style>
+          <p:txBody>
+            <a:bodyPr rtlCol="0" anchor="ctr"/>
+            <a:lstStyle/>
+            <a:p>
+              <a:pPr algn="ctr"/>
+              <a:endParaRPr lang="en-GB"/>
+            </a:p>
+          </p:txBody>
+        </p:sp>
+        <p:sp>
+          <p:nvSpPr>
+            <p:cNvPr id="64" name="Can 63"/>
+            <p:cNvSpPr/>
+            <p:nvPr/>
+          </p:nvSpPr>
+          <p:spPr>
+            <a:xfrm>
+              <a:off x="5277679" y="4609840"/>
+              <a:ext cx="422558" cy="110878"/>
+            </a:xfrm>
+            <a:prstGeom prst="can">
+              <a:avLst>
+                <a:gd name="adj" fmla="val 50000"/>
+              </a:avLst>
+            </a:prstGeom>
+            <a:solidFill>
+              <a:schemeClr val="bg2"/>
+            </a:solidFill>
+            <a:ln w="9525">
+              <a:solidFill>
+                <a:srgbClr val="FF6600"/>
+              </a:solidFill>
+            </a:ln>
+            <a:scene3d>
+              <a:camera prst="perspectiveRelaxed" fov="1500000">
+                <a:rot lat="21594000" lon="0" rev="0"/>
+              </a:camera>
+              <a:lightRig rig="threePt" dir="t"/>
+            </a:scene3d>
+          </p:spPr>
+          <p:style>
+            <a:lnRef idx="2">
+              <a:schemeClr val="accent1">
+                <a:shade val="50000"/>
+              </a:schemeClr>
+            </a:lnRef>
+            <a:fillRef idx="1">
+              <a:schemeClr val="accent1"/>
+            </a:fillRef>
+            <a:effectRef idx="0">
+              <a:schemeClr val="accent1"/>
+            </a:effectRef>
+            <a:fontRef idx="minor">
+              <a:schemeClr val="lt1"/>
+            </a:fontRef>
+          </p:style>
+          <p:txBody>
+            <a:bodyPr rtlCol="0" anchor="ctr"/>
+            <a:lstStyle/>
+            <a:p>
+              <a:pPr algn="ctr"/>
+              <a:endParaRPr lang="en-GB"/>
+            </a:p>
+          </p:txBody>
+        </p:sp>
+        <p:sp>
+          <p:nvSpPr>
+            <p:cNvPr id="65" name="Can 64"/>
+            <p:cNvSpPr/>
+            <p:nvPr/>
+          </p:nvSpPr>
+          <p:spPr>
+            <a:xfrm>
+              <a:off x="5277679" y="4568802"/>
+              <a:ext cx="422558" cy="110878"/>
+            </a:xfrm>
+            <a:prstGeom prst="can">
+              <a:avLst>
+                <a:gd name="adj" fmla="val 50000"/>
+              </a:avLst>
+            </a:prstGeom>
+            <a:solidFill>
+              <a:schemeClr val="bg2"/>
+            </a:solidFill>
+            <a:ln w="9525">
+              <a:solidFill>
+                <a:srgbClr val="FF6600"/>
+              </a:solidFill>
+            </a:ln>
+            <a:scene3d>
+              <a:camera prst="perspectiveRelaxed" fov="1500000">
+                <a:rot lat="21594000" lon="0" rev="0"/>
+              </a:camera>
+              <a:lightRig rig="threePt" dir="t"/>
+            </a:scene3d>
+          </p:spPr>
+          <p:style>
+            <a:lnRef idx="2">
+              <a:schemeClr val="accent1">
+                <a:shade val="50000"/>
+              </a:schemeClr>
+            </a:lnRef>
+            <a:fillRef idx="1">
+              <a:schemeClr val="accent1"/>
+            </a:fillRef>
+            <a:effectRef idx="0">
+              <a:schemeClr val="accent1"/>
+            </a:effectRef>
+            <a:fontRef idx="minor">
+              <a:schemeClr val="lt1"/>
+            </a:fontRef>
+          </p:style>
+          <p:txBody>
+            <a:bodyPr rtlCol="0" anchor="ctr"/>
+            <a:lstStyle/>
+            <a:p>
+              <a:pPr algn="ctr"/>
+              <a:endParaRPr lang="en-GB"/>
+            </a:p>
+          </p:txBody>
+        </p:sp>
+        <p:sp>
+          <p:nvSpPr>
+            <p:cNvPr id="66" name="Can 65"/>
+            <p:cNvSpPr/>
+            <p:nvPr/>
+          </p:nvSpPr>
+          <p:spPr>
+            <a:xfrm>
+              <a:off x="5277572" y="4527765"/>
+              <a:ext cx="422558" cy="110878"/>
+            </a:xfrm>
+            <a:prstGeom prst="can">
+              <a:avLst>
+                <a:gd name="adj" fmla="val 50000"/>
+              </a:avLst>
+            </a:prstGeom>
+            <a:solidFill>
+              <a:schemeClr val="bg2"/>
+            </a:solidFill>
+            <a:ln w="9525">
+              <a:solidFill>
+                <a:srgbClr val="FF6600"/>
+              </a:solidFill>
+            </a:ln>
+            <a:scene3d>
+              <a:camera prst="perspectiveRelaxed" fov="1500000">
+                <a:rot lat="21594000" lon="0" rev="0"/>
+              </a:camera>
+              <a:lightRig rig="threePt" dir="t"/>
+            </a:scene3d>
+          </p:spPr>
+          <p:style>
+            <a:lnRef idx="2">
+              <a:schemeClr val="accent1">
+                <a:shade val="50000"/>
+              </a:schemeClr>
+            </a:lnRef>
+            <a:fillRef idx="1">
+              <a:schemeClr val="accent1"/>
+            </a:fillRef>
+            <a:effectRef idx="0">
+              <a:schemeClr val="accent1"/>
+            </a:effectRef>
+            <a:fontRef idx="minor">
+              <a:schemeClr val="lt1"/>
+            </a:fontRef>
+          </p:style>
+          <p:txBody>
+            <a:bodyPr rtlCol="0" anchor="ctr"/>
+            <a:lstStyle/>
+            <a:p>
+              <a:pPr algn="ctr"/>
+              <a:endParaRPr lang="en-GB"/>
+            </a:p>
+          </p:txBody>
+        </p:sp>
+        <p:sp>
+          <p:nvSpPr>
+            <p:cNvPr id="67" name="Can 66"/>
+            <p:cNvSpPr/>
+            <p:nvPr/>
+          </p:nvSpPr>
+          <p:spPr>
+            <a:xfrm>
+              <a:off x="5212431" y="4474143"/>
+              <a:ext cx="552839" cy="110878"/>
+            </a:xfrm>
+            <a:prstGeom prst="can">
+              <a:avLst>
+                <a:gd name="adj" fmla="val 50000"/>
+              </a:avLst>
+            </a:prstGeom>
+            <a:solidFill>
+              <a:schemeClr val="tx2"/>
+            </a:solidFill>
+            <a:ln w="9525">
+              <a:solidFill>
+                <a:schemeClr val="tx2"/>
+              </a:solidFill>
+            </a:ln>
+            <a:scene3d>
+              <a:camera prst="perspectiveRelaxed" fov="1500000">
+                <a:rot lat="21594000" lon="0" rev="0"/>
+              </a:camera>
+              <a:lightRig rig="threePt" dir="t"/>
+            </a:scene3d>
+          </p:spPr>
+          <p:style>
+            <a:lnRef idx="2">
+              <a:schemeClr val="accent1">
+                <a:shade val="50000"/>
+              </a:schemeClr>
+            </a:lnRef>
+            <a:fillRef idx="1">
+              <a:schemeClr val="accent1"/>
+            </a:fillRef>
+            <a:effectRef idx="0">
+              <a:schemeClr val="accent1"/>
+            </a:effectRef>
+            <a:fontRef idx="minor">
+              <a:schemeClr val="lt1"/>
+            </a:fontRef>
+          </p:style>
+          <p:txBody>
+            <a:bodyPr rtlCol="0" anchor="ctr"/>
+            <a:lstStyle/>
+            <a:p>
+              <a:pPr algn="ctr"/>
+              <a:endParaRPr lang="en-GB"/>
+            </a:p>
+          </p:txBody>
+        </p:sp>
+      </p:grpSp>
+      <p:cxnSp>
+        <p:nvCxnSpPr>
+          <p:cNvPr id="15" name="Straight Arrow Connector 14"/>
+          <p:cNvCxnSpPr/>
+          <p:nvPr/>
+        </p:nvCxnSpPr>
+        <p:spPr>
+          <a:xfrm>
+            <a:off x="4360261" y="1708168"/>
+            <a:ext cx="193911" cy="208009"/>
+          </a:xfrm>
+          <a:prstGeom prst="straightConnector1">
+            <a:avLst/>
+          </a:prstGeom>
+          <a:ln>
+            <a:tailEnd type="triangle"/>
+          </a:ln>
+        </p:spPr>
+        <p:style>
+          <a:lnRef idx="2">
+            <a:schemeClr val="dk1"/>
+          </a:lnRef>
+          <a:fillRef idx="0">
+            <a:schemeClr val="dk1"/>
+          </a:fillRef>
+          <a:effectRef idx="1">
+            <a:schemeClr val="dk1"/>
+          </a:effectRef>
+          <a:fontRef idx="minor">
+            <a:schemeClr val="tx1"/>
+          </a:fontRef>
+        </p:style>
+      </p:cxnSp>
+      <p:grpSp>
+        <p:nvGrpSpPr>
+          <p:cNvPr id="87" name="Group 86"/>
+          <p:cNvGrpSpPr/>
+          <p:nvPr/>
+        </p:nvGrpSpPr>
+        <p:grpSpPr>
+          <a:xfrm>
+            <a:off x="5058875" y="5108799"/>
+            <a:ext cx="370267" cy="410646"/>
+            <a:chOff x="5212431" y="4474143"/>
+            <a:chExt cx="552946" cy="605570"/>
+          </a:xfrm>
+        </p:grpSpPr>
+        <p:sp>
+          <p:nvSpPr>
+            <p:cNvPr id="88" name="Can 87"/>
+            <p:cNvSpPr/>
+            <p:nvPr/>
+          </p:nvSpPr>
+          <p:spPr>
+            <a:xfrm>
+              <a:off x="5212538" y="4968835"/>
+              <a:ext cx="552839" cy="110878"/>
+            </a:xfrm>
+            <a:prstGeom prst="can">
+              <a:avLst>
+                <a:gd name="adj" fmla="val 50000"/>
+              </a:avLst>
+            </a:prstGeom>
+            <a:solidFill>
+              <a:schemeClr val="tx2"/>
+            </a:solidFill>
+            <a:ln w="9525">
+              <a:solidFill>
+                <a:schemeClr val="tx2"/>
+              </a:solidFill>
+            </a:ln>
+            <a:scene3d>
+              <a:camera prst="orthographicFront">
+                <a:rot lat="0" lon="0" rev="0"/>
+              </a:camera>
+              <a:lightRig rig="threePt" dir="t"/>
+            </a:scene3d>
+          </p:spPr>
+          <p:style>
+            <a:lnRef idx="2">
+              <a:schemeClr val="accent1">
+                <a:shade val="50000"/>
+              </a:schemeClr>
+            </a:lnRef>
+            <a:fillRef idx="1">
+              <a:schemeClr val="accent1"/>
+            </a:fillRef>
+            <a:effectRef idx="0">
+              <a:schemeClr val="accent1"/>
+            </a:effectRef>
+            <a:fontRef idx="minor">
+              <a:schemeClr val="lt1"/>
+            </a:fontRef>
+          </p:style>
+          <p:txBody>
+            <a:bodyPr rtlCol="0" anchor="ctr"/>
+            <a:lstStyle/>
+            <a:p>
+              <a:pPr algn="ctr"/>
+              <a:endParaRPr lang="en-GB"/>
+            </a:p>
+          </p:txBody>
+        </p:sp>
+        <p:grpSp>
+          <p:nvGrpSpPr>
+            <p:cNvPr id="89" name="Group 88"/>
+            <p:cNvGrpSpPr/>
+            <p:nvPr/>
+          </p:nvGrpSpPr>
+          <p:grpSpPr>
+            <a:xfrm>
+              <a:off x="5277572" y="4732951"/>
+              <a:ext cx="422665" cy="275027"/>
+              <a:chOff x="1530028" y="4595042"/>
+              <a:chExt cx="533535" cy="510684"/>
+            </a:xfrm>
+          </p:grpSpPr>
+          <p:sp>
+            <p:nvSpPr>
+              <p:cNvPr id="115" name="Can 114"/>
+              <p:cNvSpPr/>
+              <p:nvPr/>
+            </p:nvSpPr>
+            <p:spPr>
+              <a:xfrm>
+                <a:off x="1530163" y="4899842"/>
+                <a:ext cx="533400" cy="205884"/>
+              </a:xfrm>
+              <a:prstGeom prst="can">
+                <a:avLst>
+                  <a:gd name="adj" fmla="val 50000"/>
+                </a:avLst>
+              </a:prstGeom>
+              <a:solidFill>
+                <a:schemeClr val="bg2"/>
+              </a:solidFill>
+              <a:ln w="9525">
+                <a:solidFill>
+                  <a:srgbClr val="FF6600"/>
+                </a:solidFill>
+              </a:ln>
+              <a:scene3d>
+                <a:camera prst="orthographicFront">
+                  <a:rot lat="0" lon="0" rev="0"/>
+                </a:camera>
+                <a:lightRig rig="threePt" dir="t"/>
+              </a:scene3d>
+            </p:spPr>
+            <p:style>
+              <a:lnRef idx="2">
+                <a:schemeClr val="accent1">
+                  <a:shade val="50000"/>
+                </a:schemeClr>
+              </a:lnRef>
+              <a:fillRef idx="1">
+                <a:schemeClr val="accent1"/>
+              </a:fillRef>
+              <a:effectRef idx="0">
+                <a:schemeClr val="accent1"/>
+              </a:effectRef>
+              <a:fontRef idx="minor">
+                <a:schemeClr val="lt1"/>
+              </a:fontRef>
+            </p:style>
+            <p:txBody>
+              <a:bodyPr rtlCol="0" anchor="ctr"/>
+              <a:lstStyle/>
+              <a:p>
+                <a:pPr algn="ctr"/>
+                <a:endParaRPr lang="en-GB"/>
+              </a:p>
+            </p:txBody>
+          </p:sp>
+          <p:sp>
+            <p:nvSpPr>
+              <p:cNvPr id="116" name="Can 115"/>
+              <p:cNvSpPr/>
+              <p:nvPr/>
+            </p:nvSpPr>
+            <p:spPr>
+              <a:xfrm>
+                <a:off x="1530163" y="4823642"/>
+                <a:ext cx="533400" cy="205884"/>
+              </a:xfrm>
+              <a:prstGeom prst="can">
+                <a:avLst>
+                  <a:gd name="adj" fmla="val 50000"/>
+                </a:avLst>
+              </a:prstGeom>
+              <a:solidFill>
+                <a:schemeClr val="bg2"/>
+              </a:solidFill>
+              <a:ln w="9525">
+                <a:solidFill>
+                  <a:srgbClr val="FF6600"/>
+                </a:solidFill>
+              </a:ln>
+              <a:scene3d>
+                <a:camera prst="orthographicFront">
+                  <a:rot lat="0" lon="0" rev="0"/>
+                </a:camera>
+                <a:lightRig rig="threePt" dir="t"/>
+              </a:scene3d>
+            </p:spPr>
+            <p:style>
+              <a:lnRef idx="2">
+                <a:schemeClr val="accent1">
+                  <a:shade val="50000"/>
+                </a:schemeClr>
+              </a:lnRef>
+              <a:fillRef idx="1">
+                <a:schemeClr val="accent1"/>
+              </a:fillRef>
+              <a:effectRef idx="0">
+                <a:schemeClr val="accent1"/>
+              </a:effectRef>
+              <a:fontRef idx="minor">
+                <a:schemeClr val="lt1"/>
+              </a:fontRef>
+            </p:style>
+            <p:txBody>
+              <a:bodyPr rtlCol="0" anchor="ctr"/>
+              <a:lstStyle/>
+              <a:p>
+                <a:pPr algn="ctr"/>
+                <a:endParaRPr lang="en-GB"/>
+              </a:p>
+            </p:txBody>
+          </p:sp>
+          <p:sp>
+            <p:nvSpPr>
+              <p:cNvPr id="117" name="Can 116"/>
+              <p:cNvSpPr/>
+              <p:nvPr/>
+            </p:nvSpPr>
+            <p:spPr>
+              <a:xfrm>
+                <a:off x="1530163" y="4747442"/>
+                <a:ext cx="533400" cy="205884"/>
+              </a:xfrm>
+              <a:prstGeom prst="can">
+                <a:avLst>
+                  <a:gd name="adj" fmla="val 50000"/>
+                </a:avLst>
+              </a:prstGeom>
+              <a:solidFill>
+                <a:schemeClr val="bg2"/>
+              </a:solidFill>
+              <a:ln w="9525">
+                <a:solidFill>
+                  <a:srgbClr val="FF6600"/>
+                </a:solidFill>
+              </a:ln>
+              <a:scene3d>
+                <a:camera prst="orthographicFront">
+                  <a:rot lat="0" lon="0" rev="0"/>
+                </a:camera>
+                <a:lightRig rig="threePt" dir="t"/>
+              </a:scene3d>
+            </p:spPr>
+            <p:style>
+              <a:lnRef idx="2">
+                <a:schemeClr val="accent1">
+                  <a:shade val="50000"/>
+                </a:schemeClr>
+              </a:lnRef>
+              <a:fillRef idx="1">
+                <a:schemeClr val="accent1"/>
+              </a:fillRef>
+              <a:effectRef idx="0">
+                <a:schemeClr val="accent1"/>
+              </a:effectRef>
+              <a:fontRef idx="minor">
+                <a:schemeClr val="lt1"/>
+              </a:fontRef>
+            </p:style>
+            <p:txBody>
+              <a:bodyPr rtlCol="0" anchor="ctr"/>
+              <a:lstStyle/>
+              <a:p>
+                <a:pPr algn="ctr"/>
+                <a:endParaRPr lang="en-GB"/>
+              </a:p>
+            </p:txBody>
+          </p:sp>
+          <p:sp>
+            <p:nvSpPr>
+              <p:cNvPr id="118" name="Can 117"/>
+              <p:cNvSpPr/>
+              <p:nvPr/>
+            </p:nvSpPr>
+            <p:spPr>
+              <a:xfrm>
+                <a:off x="1530163" y="4671242"/>
+                <a:ext cx="533400" cy="205884"/>
+              </a:xfrm>
+              <a:prstGeom prst="can">
+                <a:avLst>
+                  <a:gd name="adj" fmla="val 50000"/>
+                </a:avLst>
+              </a:prstGeom>
+              <a:solidFill>
+                <a:schemeClr val="bg2"/>
+              </a:solidFill>
+              <a:ln w="9525">
+                <a:solidFill>
+                  <a:srgbClr val="FF6600"/>
+                </a:solidFill>
+              </a:ln>
+              <a:scene3d>
+                <a:camera prst="orthographicFront">
+                  <a:rot lat="0" lon="0" rev="0"/>
+                </a:camera>
+                <a:lightRig rig="threePt" dir="t"/>
+              </a:scene3d>
+            </p:spPr>
+            <p:style>
+              <a:lnRef idx="2">
+                <a:schemeClr val="accent1">
+                  <a:shade val="50000"/>
+                </a:schemeClr>
+              </a:lnRef>
+              <a:fillRef idx="1">
+                <a:schemeClr val="accent1"/>
+              </a:fillRef>
+              <a:effectRef idx="0">
+                <a:schemeClr val="accent1"/>
+              </a:effectRef>
+              <a:fontRef idx="minor">
+                <a:schemeClr val="lt1"/>
+              </a:fontRef>
+            </p:style>
+            <p:txBody>
+              <a:bodyPr rtlCol="0" anchor="ctr"/>
+              <a:lstStyle/>
+              <a:p>
+                <a:pPr algn="ctr"/>
+                <a:endParaRPr lang="en-GB"/>
+              </a:p>
+            </p:txBody>
+          </p:sp>
+          <p:sp>
+            <p:nvSpPr>
+              <p:cNvPr id="119" name="Can 118"/>
+              <p:cNvSpPr/>
+              <p:nvPr/>
+            </p:nvSpPr>
+            <p:spPr>
+              <a:xfrm>
+                <a:off x="1530028" y="4595042"/>
+                <a:ext cx="533400" cy="205884"/>
+              </a:xfrm>
+              <a:prstGeom prst="can">
+                <a:avLst>
+                  <a:gd name="adj" fmla="val 50000"/>
+                </a:avLst>
+              </a:prstGeom>
+              <a:solidFill>
+                <a:schemeClr val="bg2"/>
+              </a:solidFill>
+              <a:ln w="9525">
+                <a:solidFill>
+                  <a:srgbClr val="FF6600"/>
+                </a:solidFill>
+              </a:ln>
+              <a:scene3d>
+                <a:camera prst="orthographicFront">
+                  <a:rot lat="0" lon="0" rev="0"/>
+                </a:camera>
+                <a:lightRig rig="threePt" dir="t"/>
+              </a:scene3d>
+            </p:spPr>
+            <p:style>
+              <a:lnRef idx="2">
+                <a:schemeClr val="accent1">
+                  <a:shade val="50000"/>
+                </a:schemeClr>
+              </a:lnRef>
+              <a:fillRef idx="1">
+                <a:schemeClr val="accent1"/>
+              </a:fillRef>
+              <a:effectRef idx="0">
+                <a:schemeClr val="accent1"/>
+              </a:effectRef>
+              <a:fontRef idx="minor">
+                <a:schemeClr val="lt1"/>
+              </a:fontRef>
+            </p:style>
+            <p:txBody>
+              <a:bodyPr rtlCol="0" anchor="ctr"/>
+              <a:lstStyle/>
+              <a:p>
+                <a:pPr algn="ctr"/>
+                <a:endParaRPr lang="en-GB"/>
+              </a:p>
+            </p:txBody>
+          </p:sp>
+        </p:grpSp>
+        <p:sp>
+          <p:nvSpPr>
+            <p:cNvPr id="99" name="Can 98"/>
+            <p:cNvSpPr/>
+            <p:nvPr/>
+          </p:nvSpPr>
+          <p:spPr>
+            <a:xfrm>
+              <a:off x="5277679" y="4691914"/>
+              <a:ext cx="422558" cy="110878"/>
+            </a:xfrm>
+            <a:prstGeom prst="can">
+              <a:avLst>
+                <a:gd name="adj" fmla="val 50000"/>
+              </a:avLst>
+            </a:prstGeom>
+            <a:solidFill>
+              <a:schemeClr val="bg2"/>
+            </a:solidFill>
+            <a:ln w="9525">
+              <a:solidFill>
+                <a:srgbClr val="FF6600"/>
+              </a:solidFill>
+            </a:ln>
+            <a:scene3d>
+              <a:camera prst="perspectiveRelaxed" fov="1500000">
+                <a:rot lat="21594000" lon="0" rev="0"/>
+              </a:camera>
+              <a:lightRig rig="threePt" dir="t"/>
+            </a:scene3d>
+          </p:spPr>
+          <p:style>
+            <a:lnRef idx="2">
+              <a:schemeClr val="accent1">
+                <a:shade val="50000"/>
+              </a:schemeClr>
+            </a:lnRef>
+            <a:fillRef idx="1">
+              <a:schemeClr val="accent1"/>
+            </a:fillRef>
+            <a:effectRef idx="0">
+              <a:schemeClr val="accent1"/>
+            </a:effectRef>
+            <a:fontRef idx="minor">
+              <a:schemeClr val="lt1"/>
+            </a:fontRef>
+          </p:style>
+          <p:txBody>
+            <a:bodyPr rtlCol="0" anchor="ctr"/>
+            <a:lstStyle/>
+            <a:p>
+              <a:pPr algn="ctr"/>
+              <a:endParaRPr lang="en-GB"/>
+            </a:p>
+          </p:txBody>
+        </p:sp>
+        <p:sp>
+          <p:nvSpPr>
+            <p:cNvPr id="100" name="Can 99"/>
+            <p:cNvSpPr/>
+            <p:nvPr/>
+          </p:nvSpPr>
+          <p:spPr>
+            <a:xfrm>
+              <a:off x="5277679" y="4650877"/>
+              <a:ext cx="422558" cy="110878"/>
+            </a:xfrm>
+            <a:prstGeom prst="can">
+              <a:avLst>
+                <a:gd name="adj" fmla="val 50000"/>
+              </a:avLst>
+            </a:prstGeom>
+            <a:solidFill>
+              <a:schemeClr val="bg2"/>
+            </a:solidFill>
+            <a:ln w="9525">
+              <a:solidFill>
+                <a:srgbClr val="FF6600"/>
+              </a:solidFill>
+            </a:ln>
+            <a:scene3d>
+              <a:camera prst="perspectiveRelaxed" fov="1500000">
+                <a:rot lat="21594000" lon="0" rev="0"/>
+              </a:camera>
+              <a:lightRig rig="threePt" dir="t"/>
+            </a:scene3d>
+          </p:spPr>
+          <p:style>
+            <a:lnRef idx="2">
+              <a:schemeClr val="accent1">
+                <a:shade val="50000"/>
+              </a:schemeClr>
+            </a:lnRef>
+            <a:fillRef idx="1">
+              <a:schemeClr val="accent1"/>
+            </a:fillRef>
+            <a:effectRef idx="0">
+              <a:schemeClr val="accent1"/>
+            </a:effectRef>
+            <a:fontRef idx="minor">
+              <a:schemeClr val="lt1"/>
+            </a:fontRef>
+          </p:style>
+          <p:txBody>
+            <a:bodyPr rtlCol="0" anchor="ctr"/>
+            <a:lstStyle/>
+            <a:p>
+              <a:pPr algn="ctr"/>
+              <a:endParaRPr lang="en-GB"/>
+            </a:p>
+          </p:txBody>
+        </p:sp>
+        <p:sp>
+          <p:nvSpPr>
+            <p:cNvPr id="101" name="Can 100"/>
+            <p:cNvSpPr/>
+            <p:nvPr/>
+          </p:nvSpPr>
+          <p:spPr>
+            <a:xfrm>
+              <a:off x="5277679" y="4609840"/>
+              <a:ext cx="422558" cy="110878"/>
+            </a:xfrm>
+            <a:prstGeom prst="can">
+              <a:avLst>
+                <a:gd name="adj" fmla="val 50000"/>
+              </a:avLst>
+            </a:prstGeom>
+            <a:solidFill>
+              <a:schemeClr val="bg2"/>
+            </a:solidFill>
+            <a:ln w="9525">
+              <a:solidFill>
+                <a:srgbClr val="FF6600"/>
+              </a:solidFill>
+            </a:ln>
+            <a:scene3d>
+              <a:camera prst="perspectiveRelaxed" fov="1500000">
+                <a:rot lat="21594000" lon="0" rev="0"/>
+              </a:camera>
+              <a:lightRig rig="threePt" dir="t"/>
+            </a:scene3d>
+          </p:spPr>
+          <p:style>
+            <a:lnRef idx="2">
+              <a:schemeClr val="accent1">
+                <a:shade val="50000"/>
+              </a:schemeClr>
+            </a:lnRef>
+            <a:fillRef idx="1">
+              <a:schemeClr val="accent1"/>
+            </a:fillRef>
+            <a:effectRef idx="0">
+              <a:schemeClr val="accent1"/>
+            </a:effectRef>
+            <a:fontRef idx="minor">
+              <a:schemeClr val="lt1"/>
+            </a:fontRef>
+          </p:style>
+          <p:txBody>
+            <a:bodyPr rtlCol="0" anchor="ctr"/>
+            <a:lstStyle/>
+            <a:p>
+              <a:pPr algn="ctr"/>
+              <a:endParaRPr lang="en-GB"/>
+            </a:p>
+          </p:txBody>
+        </p:sp>
+        <p:sp>
+          <p:nvSpPr>
+            <p:cNvPr id="102" name="Can 101"/>
+            <p:cNvSpPr/>
+            <p:nvPr/>
+          </p:nvSpPr>
+          <p:spPr>
+            <a:xfrm>
+              <a:off x="5277679" y="4568802"/>
+              <a:ext cx="422558" cy="110878"/>
+            </a:xfrm>
+            <a:prstGeom prst="can">
+              <a:avLst>
+                <a:gd name="adj" fmla="val 50000"/>
+              </a:avLst>
+            </a:prstGeom>
+            <a:solidFill>
+              <a:schemeClr val="bg2"/>
+            </a:solidFill>
+            <a:ln w="9525">
+              <a:solidFill>
+                <a:srgbClr val="FF6600"/>
+              </a:solidFill>
+            </a:ln>
+            <a:scene3d>
+              <a:camera prst="perspectiveRelaxed" fov="1500000">
+                <a:rot lat="21594000" lon="0" rev="0"/>
+              </a:camera>
+              <a:lightRig rig="threePt" dir="t"/>
+            </a:scene3d>
+          </p:spPr>
+          <p:style>
+            <a:lnRef idx="2">
+              <a:schemeClr val="accent1">
+                <a:shade val="50000"/>
+              </a:schemeClr>
+            </a:lnRef>
+            <a:fillRef idx="1">
+              <a:schemeClr val="accent1"/>
+            </a:fillRef>
+            <a:effectRef idx="0">
+              <a:schemeClr val="accent1"/>
+            </a:effectRef>
+            <a:fontRef idx="minor">
+              <a:schemeClr val="lt1"/>
+            </a:fontRef>
+          </p:style>
+          <p:txBody>
+            <a:bodyPr rtlCol="0" anchor="ctr"/>
+            <a:lstStyle/>
+            <a:p>
+              <a:pPr algn="ctr"/>
+              <a:endParaRPr lang="en-GB"/>
+            </a:p>
+          </p:txBody>
+        </p:sp>
+        <p:sp>
+          <p:nvSpPr>
+            <p:cNvPr id="109" name="Can 108"/>
+            <p:cNvSpPr/>
+            <p:nvPr/>
+          </p:nvSpPr>
+          <p:spPr>
+            <a:xfrm>
+              <a:off x="5277572" y="4527765"/>
+              <a:ext cx="422558" cy="110878"/>
+            </a:xfrm>
+            <a:prstGeom prst="can">
+              <a:avLst>
+                <a:gd name="adj" fmla="val 50000"/>
+              </a:avLst>
+            </a:prstGeom>
+            <a:solidFill>
+              <a:schemeClr val="bg2"/>
+            </a:solidFill>
+            <a:ln w="9525">
+              <a:solidFill>
+                <a:srgbClr val="FF6600"/>
+              </a:solidFill>
+            </a:ln>
+            <a:scene3d>
+              <a:camera prst="perspectiveRelaxed" fov="1500000">
+                <a:rot lat="21594000" lon="0" rev="0"/>
+              </a:camera>
+              <a:lightRig rig="threePt" dir="t"/>
+            </a:scene3d>
+          </p:spPr>
+          <p:style>
+            <a:lnRef idx="2">
+              <a:schemeClr val="accent1">
+                <a:shade val="50000"/>
+              </a:schemeClr>
+            </a:lnRef>
+            <a:fillRef idx="1">
+              <a:schemeClr val="accent1"/>
+            </a:fillRef>
+            <a:effectRef idx="0">
+              <a:schemeClr val="accent1"/>
+            </a:effectRef>
+            <a:fontRef idx="minor">
+              <a:schemeClr val="lt1"/>
+            </a:fontRef>
+          </p:style>
+          <p:txBody>
+            <a:bodyPr rtlCol="0" anchor="ctr"/>
+            <a:lstStyle/>
+            <a:p>
+              <a:pPr algn="ctr"/>
+              <a:endParaRPr lang="en-GB"/>
+            </a:p>
+          </p:txBody>
+        </p:sp>
+        <p:sp>
+          <p:nvSpPr>
+            <p:cNvPr id="114" name="Can 113"/>
+            <p:cNvSpPr/>
+            <p:nvPr/>
+          </p:nvSpPr>
+          <p:spPr>
+            <a:xfrm>
+              <a:off x="5212431" y="4474143"/>
+              <a:ext cx="552839" cy="110878"/>
+            </a:xfrm>
+            <a:prstGeom prst="can">
+              <a:avLst>
+                <a:gd name="adj" fmla="val 50000"/>
+              </a:avLst>
+            </a:prstGeom>
+            <a:solidFill>
+              <a:schemeClr val="tx2"/>
+            </a:solidFill>
+            <a:ln w="9525">
+              <a:solidFill>
+                <a:schemeClr val="tx2"/>
+              </a:solidFill>
+            </a:ln>
+            <a:scene3d>
+              <a:camera prst="perspectiveRelaxed" fov="1500000">
+                <a:rot lat="21594000" lon="0" rev="0"/>
+              </a:camera>
+              <a:lightRig rig="threePt" dir="t"/>
+            </a:scene3d>
+          </p:spPr>
+          <p:style>
+            <a:lnRef idx="2">
+              <a:schemeClr val="accent1">
+                <a:shade val="50000"/>
+              </a:schemeClr>
+            </a:lnRef>
+            <a:fillRef idx="1">
+              <a:schemeClr val="accent1"/>
+            </a:fillRef>
+            <a:effectRef idx="0">
+              <a:schemeClr val="accent1"/>
+            </a:effectRef>
+            <a:fontRef idx="minor">
+              <a:schemeClr val="lt1"/>
+            </a:fontRef>
+          </p:style>
+          <p:txBody>
+            <a:bodyPr rtlCol="0" anchor="ctr"/>
+            <a:lstStyle/>
+            <a:p>
+              <a:pPr algn="ctr"/>
+              <a:endParaRPr lang="en-GB"/>
+            </a:p>
+          </p:txBody>
+        </p:sp>
+      </p:grpSp>
+      <p:cxnSp>
+        <p:nvCxnSpPr>
+          <p:cNvPr id="120" name="Straight Connector 119"/>
+          <p:cNvCxnSpPr/>
+          <p:nvPr/>
+        </p:nvCxnSpPr>
+        <p:spPr>
+          <a:xfrm flipV="1">
+            <a:off x="5379550" y="5412928"/>
+            <a:ext cx="416831" cy="1962"/>
+          </a:xfrm>
+          <a:prstGeom prst="line">
+            <a:avLst/>
+          </a:prstGeom>
+          <a:noFill/>
+          <a:ln w="28575" cap="flat" cmpd="sng" algn="ctr">
+            <a:solidFill>
+              <a:schemeClr val="accent2"/>
+            </a:solidFill>
+            <a:prstDash val="solid"/>
+            <a:miter lim="800000"/>
+          </a:ln>
+          <a:effectLst/>
+        </p:spPr>
+      </p:cxnSp>
+      <p:sp>
+        <p:nvSpPr>
+          <p:cNvPr id="121" name="CustomShape 17"/>
+          <p:cNvSpPr/>
+          <p:nvPr/>
+        </p:nvSpPr>
+        <p:spPr>
+          <a:xfrm>
+            <a:off x="5867167" y="4421612"/>
+            <a:ext cx="795000" cy="438053"/>
+          </a:xfrm>
+          <a:prstGeom prst="parallelogram">
+            <a:avLst>
+              <a:gd name="adj" fmla="val 25000"/>
+            </a:avLst>
+          </a:prstGeom>
+          <a:solidFill>
+            <a:srgbClr val="808080"/>
+          </a:solidFill>
+          <a:ln w="25560">
+            <a:noFill/>
+          </a:ln>
+        </p:spPr>
+      </p:sp>
+      <p:sp>
+        <p:nvSpPr>
+          <p:cNvPr id="94" name="CustomShape 18"/>
+          <p:cNvSpPr/>
+          <p:nvPr/>
+        </p:nvSpPr>
+        <p:spPr>
+          <a:xfrm>
+            <a:off x="5744100" y="4481770"/>
             <a:ext cx="1063463" cy="365368"/>
           </a:xfrm>
           <a:prstGeom prst="rect">
@@ -5268,15 +6830,15 @@
               <a:defRPr/>
             </a:pPr>
             <a:r>
-              <a:rPr lang="en-US" sz="1600" kern="0" dirty="0" smtClean="0">
+              <a:rPr lang="en-US" sz="1400" kern="0" dirty="0" smtClean="0">
                 <a:solidFill>
                   <a:srgbClr val="000000"/>
                 </a:solidFill>
                 <a:latin typeface="Arial"/>
               </a:rPr>
-              <a:t>Laser</a:t>
-            </a:r>
-            <a:endParaRPr kumimoji="0" sz="1600" b="0" i="0" u="none" strike="noStrike" kern="0" cap="none" spc="0" normalizeH="0" baseline="0" noProof="0" dirty="0" smtClean="0">
+              <a:t>LLO</a:t>
+            </a:r>
+            <a:endParaRPr kumimoji="0" sz="1400" b="0" i="0" u="none" strike="noStrike" kern="0" cap="none" spc="0" normalizeH="0" baseline="0" noProof="0" dirty="0" smtClean="0">
               <a:ln>
                 <a:noFill/>
               </a:ln>
@@ -5292,14 +6854,46 @@
       </p:sp>
       <p:sp>
         <p:nvSpPr>
-          <p:cNvPr id="105" name="CustomShape 18"/>
+          <p:cNvPr id="123" name="CustomShape 34 2"/>
           <p:cNvSpPr/>
           <p:nvPr/>
         </p:nvSpPr>
         <p:spPr>
           <a:xfrm>
-            <a:off x="6315732" y="4962588"/>
-            <a:ext cx="1702234" cy="297162"/>
+            <a:off x="3962683" y="1894768"/>
+            <a:ext cx="470719" cy="234034"/>
+          </a:xfrm>
+          <a:prstGeom prst="roundRect">
+            <a:avLst>
+              <a:gd name="adj" fmla="val 16667"/>
+            </a:avLst>
+          </a:prstGeom>
+          <a:gradFill>
+            <a:gsLst>
+              <a:gs pos="0">
+                <a:srgbClr val="9BBB59"/>
+              </a:gs>
+              <a:gs pos="100000">
+                <a:srgbClr val="000000"/>
+              </a:gs>
+            </a:gsLst>
+            <a:lin ang="0"/>
+          </a:gradFill>
+          <a:ln w="25560">
+            <a:noFill/>
+          </a:ln>
+        </p:spPr>
+      </p:sp>
+      <p:sp>
+        <p:nvSpPr>
+          <p:cNvPr id="124" name="CustomShape 35 2"/>
+          <p:cNvSpPr/>
+          <p:nvPr/>
+        </p:nvSpPr>
+        <p:spPr>
+          <a:xfrm>
+            <a:off x="3886042" y="1881392"/>
+            <a:ext cx="868690" cy="422712"/>
           </a:xfrm>
           <a:prstGeom prst="rect">
             <a:avLst/>
@@ -5313,7 +6907,7 @@
           <a:bodyPr wrap="none" lIns="90000" tIns="45000" rIns="90000" bIns="45000"/>
           <a:lstStyle/>
           <a:p>
-            <a:pPr marL="0" marR="0" lvl="0" indent="0" algn="ctr" defTabSz="914400" eaLnBrk="1" fontAlgn="auto" latinLnBrk="0" hangingPunct="1">
+            <a:pPr marL="0" marR="0" lvl="0" indent="0" defTabSz="914400" eaLnBrk="1" fontAlgn="auto" latinLnBrk="0" hangingPunct="1">
               <a:lnSpc>
                 <a:spcPct val="100000"/>
               </a:lnSpc>
@@ -5331,87 +6925,21 @@
               <a:defRPr/>
             </a:pPr>
             <a:r>
-              <a:rPr lang="en-US" sz="900" kern="0" dirty="0" smtClean="0">
+              <a:rPr kumimoji="0" lang="da-DK" sz="1200" b="0" i="0" u="none" strike="noStrike" kern="0" cap="none" spc="0" normalizeH="0" baseline="0" noProof="0" dirty="0" smtClean="0">
+                <a:ln>
+                  <a:noFill/>
+                </a:ln>
                 <a:solidFill>
                   <a:srgbClr val="000000"/>
                 </a:solidFill>
+                <a:effectLst/>
+                <a:uLnTx/>
+                <a:uFillTx/>
                 <a:latin typeface="Arial"/>
               </a:rPr>
-              <a:t>Quantum + pilot signal</a:t>
-            </a:r>
-            <a:endParaRPr kumimoji="0" sz="900" b="0" i="0" u="none" strike="noStrike" kern="0" cap="none" spc="0" normalizeH="0" baseline="0" noProof="0" dirty="0" smtClean="0">
-              <a:ln>
-                <a:noFill/>
-              </a:ln>
-              <a:solidFill>
-                <a:prstClr val="black"/>
-              </a:solidFill>
-              <a:effectLst/>
-              <a:uLnTx/>
-              <a:uFillTx/>
-            </a:endParaRPr>
-          </a:p>
-        </p:txBody>
-      </p:sp>
-      <p:sp>
-        <p:nvSpPr>
-          <p:cNvPr id="106" name="CustomShape 18"/>
-          <p:cNvSpPr/>
-          <p:nvPr/>
-        </p:nvSpPr>
-        <p:spPr>
-          <a:xfrm>
-            <a:off x="7158561" y="4237528"/>
-            <a:ext cx="891944" cy="285108"/>
-          </a:xfrm>
-          <a:prstGeom prst="rect">
-            <a:avLst/>
-          </a:prstGeom>
-          <a:noFill/>
-          <a:ln>
-            <a:noFill/>
-          </a:ln>
-        </p:spPr>
-        <p:txBody>
-          <a:bodyPr wrap="none" lIns="90000" tIns="45000" rIns="90000" bIns="45000"/>
-          <a:lstStyle/>
-          <a:p>
-            <a:pPr marL="0" marR="0" lvl="0" indent="0" algn="ctr" defTabSz="914400" eaLnBrk="1" fontAlgn="auto" latinLnBrk="0" hangingPunct="1">
-              <a:lnSpc>
-                <a:spcPct val="100000"/>
-              </a:lnSpc>
-              <a:spcBef>
-                <a:spcPts val="0"/>
-              </a:spcBef>
-              <a:spcAft>
-                <a:spcPts val="0"/>
-              </a:spcAft>
-              <a:buClrTx/>
-              <a:buSzTx/>
-              <a:buFontTx/>
-              <a:buNone/>
-              <a:tabLst/>
-              <a:defRPr/>
-            </a:pPr>
-            <a:r>
-              <a:rPr lang="en-US" sz="1100" kern="0" dirty="0" smtClean="0">
-                <a:solidFill>
-                  <a:srgbClr val="000000"/>
-                </a:solidFill>
-                <a:latin typeface="Arial"/>
-              </a:rPr>
-              <a:t>LO </a:t>
-            </a:r>
-            <a:r>
-              <a:rPr lang="en-US" sz="1100" kern="0" dirty="0" smtClean="0">
-                <a:solidFill>
-                  <a:srgbClr val="000000"/>
-                </a:solidFill>
-                <a:latin typeface="Arial"/>
-              </a:rPr>
-              <a:t>signal</a:t>
-            </a:r>
-            <a:endParaRPr kumimoji="0" sz="1100" b="0" i="0" u="none" strike="noStrike" kern="0" cap="none" spc="0" normalizeH="0" baseline="0" noProof="0" dirty="0" smtClean="0">
+              <a:t>VATT</a:t>
+            </a:r>
+            <a:endParaRPr kumimoji="0" sz="1200" b="0" i="0" u="none" strike="noStrike" kern="0" cap="none" spc="0" normalizeH="0" baseline="0" noProof="0" dirty="0" smtClean="0">
               <a:ln>
                 <a:noFill/>
               </a:ln>

--- a/exampleSlides/TLO and LLO_v2.pptx
+++ b/exampleSlides/TLO and LLO_v2.pptx
@@ -4173,7 +4173,7 @@
         </p:nvSpPr>
         <p:spPr>
           <a:xfrm>
-            <a:off x="7493107" y="4553810"/>
+            <a:off x="7478866" y="4783045"/>
             <a:ext cx="733164" cy="694367"/>
           </a:xfrm>
           <a:prstGeom prst="rect">
@@ -4206,7 +4206,7 @@
               <a:defRPr/>
             </a:pPr>
             <a:r>
-              <a:rPr lang="en-US" sz="1100" kern="0" dirty="0" smtClean="0">
+              <a:rPr lang="en-US" sz="1200" kern="0" dirty="0" smtClean="0">
                 <a:solidFill>
                   <a:srgbClr val="000000"/>
                 </a:solidFill>
@@ -4234,7 +4234,7 @@
               <a:defRPr/>
             </a:pPr>
             <a:r>
-              <a:rPr lang="en-US" sz="1100" kern="0" dirty="0" smtClean="0">
+              <a:rPr lang="en-US" sz="1200" kern="0" dirty="0" smtClean="0">
                 <a:solidFill>
                   <a:srgbClr val="000000"/>
                 </a:solidFill>
@@ -4242,100 +4242,11 @@
               </a:rPr>
               <a:t>Detection</a:t>
             </a:r>
-          </a:p>
-          <a:p>
-            <a:pPr marL="0" marR="0" lvl="0" indent="0" algn="ctr" defTabSz="914400" eaLnBrk="1" fontAlgn="auto" latinLnBrk="0" hangingPunct="1">
-              <a:lnSpc>
-                <a:spcPct val="100000"/>
-              </a:lnSpc>
-              <a:spcBef>
-                <a:spcPts val="0"/>
-              </a:spcBef>
-              <a:spcAft>
-                <a:spcPts val="0"/>
-              </a:spcAft>
-              <a:buClrTx/>
-              <a:buSzTx/>
-              <a:buFontTx/>
-              <a:buNone/>
-              <a:tabLst/>
-              <a:defRPr/>
-            </a:pPr>
-            <a:r>
-              <a:rPr lang="en-US" sz="1100" kern="0" dirty="0" smtClean="0">
-                <a:solidFill>
-                  <a:srgbClr val="000000"/>
-                </a:solidFill>
-                <a:latin typeface="Arial"/>
-              </a:rPr>
-              <a:t>+</a:t>
-            </a:r>
-          </a:p>
-          <a:p>
-            <a:pPr marL="0" marR="0" lvl="0" indent="0" algn="ctr" defTabSz="914400" eaLnBrk="1" fontAlgn="auto" latinLnBrk="0" hangingPunct="1">
-              <a:lnSpc>
-                <a:spcPct val="100000"/>
-              </a:lnSpc>
-              <a:spcBef>
-                <a:spcPts val="0"/>
-              </a:spcBef>
-              <a:spcAft>
-                <a:spcPts val="0"/>
-              </a:spcAft>
-              <a:buClrTx/>
-              <a:buSzTx/>
-              <a:buFontTx/>
-              <a:buNone/>
-              <a:tabLst/>
-              <a:defRPr/>
-            </a:pPr>
-            <a:r>
-              <a:rPr lang="en-US" sz="1100" kern="0" dirty="0" smtClean="0">
-                <a:solidFill>
-                  <a:srgbClr val="000000"/>
-                </a:solidFill>
-                <a:latin typeface="Arial"/>
-              </a:rPr>
-              <a:t>Phase </a:t>
-            </a:r>
-          </a:p>
-          <a:p>
-            <a:pPr marL="0" marR="0" lvl="0" indent="0" algn="ctr" defTabSz="914400" eaLnBrk="1" fontAlgn="auto" latinLnBrk="0" hangingPunct="1">
-              <a:lnSpc>
-                <a:spcPct val="100000"/>
-              </a:lnSpc>
-              <a:spcBef>
-                <a:spcPts val="0"/>
-              </a:spcBef>
-              <a:spcAft>
-                <a:spcPts val="0"/>
-              </a:spcAft>
-              <a:buClrTx/>
-              <a:buSzTx/>
-              <a:buFontTx/>
-              <a:buNone/>
-              <a:tabLst/>
-              <a:defRPr/>
-            </a:pPr>
-            <a:r>
-              <a:rPr lang="en-US" sz="1100" kern="0" dirty="0" smtClean="0">
-                <a:solidFill>
-                  <a:srgbClr val="000000"/>
-                </a:solidFill>
-                <a:latin typeface="Arial"/>
-              </a:rPr>
-              <a:t>correction </a:t>
-            </a:r>
-            <a:endParaRPr kumimoji="0" sz="1100" b="0" i="0" u="none" strike="noStrike" kern="0" cap="none" spc="0" normalizeH="0" baseline="0" noProof="0" dirty="0" smtClean="0">
-              <a:ln>
-                <a:noFill/>
-              </a:ln>
+            <a:endParaRPr lang="en-US" sz="1200" kern="0" dirty="0" smtClean="0">
               <a:solidFill>
-                <a:prstClr val="black"/>
+                <a:srgbClr val="000000"/>
               </a:solidFill>
-              <a:effectLst/>
-              <a:uLnTx/>
-              <a:uFillTx/>
+              <a:latin typeface="Arial"/>
             </a:endParaRPr>
           </a:p>
         </p:txBody>
